--- a/images/作圖.pptx
+++ b/images/作圖.pptx
@@ -6,6 +6,10 @@
   </p:sldMasterIdLst>
   <p:sldIdLst>
     <p:sldId id="256" r:id="rId2"/>
+    <p:sldId id="257" r:id="rId3"/>
+    <p:sldId id="258" r:id="rId4"/>
+    <p:sldId id="259" r:id="rId5"/>
+    <p:sldId id="260" r:id="rId6"/>
   </p:sldIdLst>
   <p:sldSz cx="12192000" cy="6858000"/>
   <p:notesSz cx="6858000" cy="9144000"/>
@@ -104,6 +108,11 @@
       </a:defRPr>
     </a:lvl9pPr>
   </p:defaultTextStyle>
+  <p:extLst>
+    <p:ext uri="{EFAFB233-063F-42B5-8137-9DF3F51BA10A}">
+      <p15:sldGuideLst xmlns:p15="http://schemas.microsoft.com/office/powerpoint/2012/main"/>
+    </p:ext>
+  </p:extLst>
 </p:presentation>
 </file>
 
@@ -254,7 +263,7 @@
           <a:p>
             <a:fld id="{1BB6789B-32B6-4A2A-AF43-A67DE8979462}" type="datetimeFigureOut">
               <a:rPr lang="zh-TW" altLang="en-US" smtClean="0"/>
-              <a:t>2022/12/9</a:t>
+              <a:t>2022/12/10</a:t>
             </a:fld>
             <a:endParaRPr lang="zh-TW" altLang="en-US"/>
           </a:p>
@@ -452,7 +461,7 @@
           <a:p>
             <a:fld id="{1BB6789B-32B6-4A2A-AF43-A67DE8979462}" type="datetimeFigureOut">
               <a:rPr lang="zh-TW" altLang="en-US" smtClean="0"/>
-              <a:t>2022/12/9</a:t>
+              <a:t>2022/12/10</a:t>
             </a:fld>
             <a:endParaRPr lang="zh-TW" altLang="en-US"/>
           </a:p>
@@ -660,7 +669,7 @@
           <a:p>
             <a:fld id="{1BB6789B-32B6-4A2A-AF43-A67DE8979462}" type="datetimeFigureOut">
               <a:rPr lang="zh-TW" altLang="en-US" smtClean="0"/>
-              <a:t>2022/12/9</a:t>
+              <a:t>2022/12/10</a:t>
             </a:fld>
             <a:endParaRPr lang="zh-TW" altLang="en-US"/>
           </a:p>
@@ -858,7 +867,7 @@
           <a:p>
             <a:fld id="{1BB6789B-32B6-4A2A-AF43-A67DE8979462}" type="datetimeFigureOut">
               <a:rPr lang="zh-TW" altLang="en-US" smtClean="0"/>
-              <a:t>2022/12/9</a:t>
+              <a:t>2022/12/10</a:t>
             </a:fld>
             <a:endParaRPr lang="zh-TW" altLang="en-US"/>
           </a:p>
@@ -1133,7 +1142,7 @@
           <a:p>
             <a:fld id="{1BB6789B-32B6-4A2A-AF43-A67DE8979462}" type="datetimeFigureOut">
               <a:rPr lang="zh-TW" altLang="en-US" smtClean="0"/>
-              <a:t>2022/12/9</a:t>
+              <a:t>2022/12/10</a:t>
             </a:fld>
             <a:endParaRPr lang="zh-TW" altLang="en-US"/>
           </a:p>
@@ -1398,7 +1407,7 @@
           <a:p>
             <a:fld id="{1BB6789B-32B6-4A2A-AF43-A67DE8979462}" type="datetimeFigureOut">
               <a:rPr lang="zh-TW" altLang="en-US" smtClean="0"/>
-              <a:t>2022/12/9</a:t>
+              <a:t>2022/12/10</a:t>
             </a:fld>
             <a:endParaRPr lang="zh-TW" altLang="en-US"/>
           </a:p>
@@ -1810,7 +1819,7 @@
           <a:p>
             <a:fld id="{1BB6789B-32B6-4A2A-AF43-A67DE8979462}" type="datetimeFigureOut">
               <a:rPr lang="zh-TW" altLang="en-US" smtClean="0"/>
-              <a:t>2022/12/9</a:t>
+              <a:t>2022/12/10</a:t>
             </a:fld>
             <a:endParaRPr lang="zh-TW" altLang="en-US"/>
           </a:p>
@@ -1951,7 +1960,7 @@
           <a:p>
             <a:fld id="{1BB6789B-32B6-4A2A-AF43-A67DE8979462}" type="datetimeFigureOut">
               <a:rPr lang="zh-TW" altLang="en-US" smtClean="0"/>
-              <a:t>2022/12/9</a:t>
+              <a:t>2022/12/10</a:t>
             </a:fld>
             <a:endParaRPr lang="zh-TW" altLang="en-US"/>
           </a:p>
@@ -2064,7 +2073,7 @@
           <a:p>
             <a:fld id="{1BB6789B-32B6-4A2A-AF43-A67DE8979462}" type="datetimeFigureOut">
               <a:rPr lang="zh-TW" altLang="en-US" smtClean="0"/>
-              <a:t>2022/12/9</a:t>
+              <a:t>2022/12/10</a:t>
             </a:fld>
             <a:endParaRPr lang="zh-TW" altLang="en-US"/>
           </a:p>
@@ -2375,7 +2384,7 @@
           <a:p>
             <a:fld id="{1BB6789B-32B6-4A2A-AF43-A67DE8979462}" type="datetimeFigureOut">
               <a:rPr lang="zh-TW" altLang="en-US" smtClean="0"/>
-              <a:t>2022/12/9</a:t>
+              <a:t>2022/12/10</a:t>
             </a:fld>
             <a:endParaRPr lang="zh-TW" altLang="en-US"/>
           </a:p>
@@ -2663,7 +2672,7 @@
           <a:p>
             <a:fld id="{1BB6789B-32B6-4A2A-AF43-A67DE8979462}" type="datetimeFigureOut">
               <a:rPr lang="zh-TW" altLang="en-US" smtClean="0"/>
-              <a:t>2022/12/9</a:t>
+              <a:t>2022/12/10</a:t>
             </a:fld>
             <a:endParaRPr lang="zh-TW" altLang="en-US"/>
           </a:p>
@@ -2740,9 +2749,12 @@
 <p:sldMaster xmlns:a="http://schemas.openxmlformats.org/drawingml/2006/main" xmlns:r="http://schemas.openxmlformats.org/officeDocument/2006/relationships" xmlns:p="http://schemas.openxmlformats.org/presentationml/2006/main">
   <p:cSld>
     <p:bg>
-      <p:bgRef idx="1001">
-        <a:schemeClr val="bg1"/>
-      </p:bgRef>
+      <p:bgPr>
+        <a:solidFill>
+          <a:schemeClr val="tx1"/>
+        </a:solidFill>
+        <a:effectLst/>
+      </p:bgPr>
     </p:bg>
     <p:spTree>
       <p:nvGrpSpPr>
@@ -2904,7 +2916,7 @@
           <a:p>
             <a:fld id="{1BB6789B-32B6-4A2A-AF43-A67DE8979462}" type="datetimeFigureOut">
               <a:rPr lang="zh-TW" altLang="en-US" smtClean="0"/>
-              <a:t>2022/12/9</a:t>
+              <a:t>2022/12/10</a:t>
             </a:fld>
             <a:endParaRPr lang="zh-TW" altLang="en-US"/>
           </a:p>
@@ -3307,14 +3319,6 @@
 <file path=ppt/slides/slide1.xml><?xml version="1.0" encoding="utf-8"?>
 <p:sld xmlns:a="http://schemas.openxmlformats.org/drawingml/2006/main" xmlns:r="http://schemas.openxmlformats.org/officeDocument/2006/relationships" xmlns:p="http://schemas.openxmlformats.org/presentationml/2006/main">
   <p:cSld>
-    <p:bg>
-      <p:bgPr>
-        <a:solidFill>
-          <a:schemeClr val="tx1"/>
-        </a:solidFill>
-        <a:effectLst/>
-      </p:bgPr>
-    </p:bg>
     <p:spTree>
       <p:nvGrpSpPr>
         <p:cNvPr id="1" name=""/>
@@ -4020,6 +4024,4497 @@
     <p:extLst>
       <p:ext uri="{BB962C8B-B14F-4D97-AF65-F5344CB8AC3E}">
         <p14:creationId xmlns:p14="http://schemas.microsoft.com/office/powerpoint/2010/main" val="657616460"/>
+      </p:ext>
+    </p:extLst>
+  </p:cSld>
+  <p:clrMapOvr>
+    <a:masterClrMapping/>
+  </p:clrMapOvr>
+</p:sld>
+</file>
+
+<file path=ppt/slides/slide2.xml><?xml version="1.0" encoding="utf-8"?>
+<p:sld xmlns:a="http://schemas.openxmlformats.org/drawingml/2006/main" xmlns:r="http://schemas.openxmlformats.org/officeDocument/2006/relationships" xmlns:p="http://schemas.openxmlformats.org/presentationml/2006/main">
+  <p:cSld>
+    <p:spTree>
+      <p:nvGrpSpPr>
+        <p:cNvPr id="1" name=""/>
+        <p:cNvGrpSpPr/>
+        <p:nvPr/>
+      </p:nvGrpSpPr>
+      <p:grpSpPr>
+        <a:xfrm>
+          <a:off x="0" y="0"/>
+          <a:ext cx="0" cy="0"/>
+          <a:chOff x="0" y="0"/>
+          <a:chExt cx="0" cy="0"/>
+        </a:xfrm>
+      </p:grpSpPr>
+      <p:sp>
+        <p:nvSpPr>
+          <p:cNvPr id="12" name="矩形 11">
+            <a:extLst>
+              <a:ext uri="{FF2B5EF4-FFF2-40B4-BE49-F238E27FC236}">
+                <a16:creationId xmlns:a16="http://schemas.microsoft.com/office/drawing/2014/main" id="{9CDB997C-4877-145D-CDD2-98C9FC84737B}"/>
+              </a:ext>
+            </a:extLst>
+          </p:cNvPr>
+          <p:cNvSpPr/>
+          <p:nvPr/>
+        </p:nvSpPr>
+        <p:spPr>
+          <a:xfrm>
+            <a:off x="5705475" y="3429000"/>
+            <a:ext cx="1962150" cy="609600"/>
+          </a:xfrm>
+          <a:prstGeom prst="rect">
+            <a:avLst/>
+          </a:prstGeom>
+          <a:solidFill>
+            <a:schemeClr val="tx1"/>
+          </a:solidFill>
+          <a:ln>
+            <a:solidFill>
+              <a:schemeClr val="tx1"/>
+            </a:solidFill>
+          </a:ln>
+        </p:spPr>
+        <p:style>
+          <a:lnRef idx="2">
+            <a:schemeClr val="accent1">
+              <a:shade val="50000"/>
+            </a:schemeClr>
+          </a:lnRef>
+          <a:fillRef idx="1">
+            <a:schemeClr val="accent1"/>
+          </a:fillRef>
+          <a:effectRef idx="0">
+            <a:schemeClr val="accent1"/>
+          </a:effectRef>
+          <a:fontRef idx="minor">
+            <a:schemeClr val="lt1"/>
+          </a:fontRef>
+        </p:style>
+        <p:txBody>
+          <a:bodyPr rtlCol="0" anchor="ctr"/>
+          <a:lstStyle/>
+          <a:p>
+            <a:pPr algn="ctr"/>
+            <a:endParaRPr lang="zh-TW" altLang="en-US"/>
+          </a:p>
+        </p:txBody>
+      </p:sp>
+      <p:sp>
+        <p:nvSpPr>
+          <p:cNvPr id="3" name="矩形 2">
+            <a:extLst>
+              <a:ext uri="{FF2B5EF4-FFF2-40B4-BE49-F238E27FC236}">
+                <a16:creationId xmlns:a16="http://schemas.microsoft.com/office/drawing/2014/main" id="{31D3A7CA-732F-9E65-D38C-FA9D522C515F}"/>
+              </a:ext>
+            </a:extLst>
+          </p:cNvPr>
+          <p:cNvSpPr/>
+          <p:nvPr/>
+        </p:nvSpPr>
+        <p:spPr>
+          <a:xfrm>
+            <a:off x="5705475" y="3924300"/>
+            <a:ext cx="1962150" cy="762000"/>
+          </a:xfrm>
+          <a:prstGeom prst="rect">
+            <a:avLst/>
+          </a:prstGeom>
+          <a:solidFill>
+            <a:srgbClr val="C00000"/>
+          </a:solidFill>
+          <a:ln>
+            <a:noFill/>
+          </a:ln>
+        </p:spPr>
+        <p:style>
+          <a:lnRef idx="2">
+            <a:schemeClr val="accent1">
+              <a:shade val="50000"/>
+            </a:schemeClr>
+          </a:lnRef>
+          <a:fillRef idx="1">
+            <a:schemeClr val="accent1"/>
+          </a:fillRef>
+          <a:effectRef idx="0">
+            <a:schemeClr val="accent1"/>
+          </a:effectRef>
+          <a:fontRef idx="minor">
+            <a:schemeClr val="lt1"/>
+          </a:fontRef>
+        </p:style>
+        <p:txBody>
+          <a:bodyPr rtlCol="0" anchor="ctr"/>
+          <a:lstStyle/>
+          <a:p>
+            <a:pPr algn="ctr"/>
+            <a:endParaRPr lang="zh-TW" altLang="en-US" dirty="0"/>
+          </a:p>
+        </p:txBody>
+      </p:sp>
+      <p:sp>
+        <p:nvSpPr>
+          <p:cNvPr id="2" name="矩形 1">
+            <a:extLst>
+              <a:ext uri="{FF2B5EF4-FFF2-40B4-BE49-F238E27FC236}">
+                <a16:creationId xmlns:a16="http://schemas.microsoft.com/office/drawing/2014/main" id="{A2C379FA-3880-D689-23DE-C3C6EE7EF90F}"/>
+              </a:ext>
+            </a:extLst>
+          </p:cNvPr>
+          <p:cNvSpPr/>
+          <p:nvPr/>
+        </p:nvSpPr>
+        <p:spPr>
+          <a:xfrm>
+            <a:off x="5705475" y="3429000"/>
+            <a:ext cx="1962150" cy="1257300"/>
+          </a:xfrm>
+          <a:prstGeom prst="rect">
+            <a:avLst/>
+          </a:prstGeom>
+          <a:noFill/>
+          <a:ln w="38100">
+            <a:solidFill>
+              <a:srgbClr val="C00000"/>
+            </a:solidFill>
+          </a:ln>
+        </p:spPr>
+        <p:style>
+          <a:lnRef idx="2">
+            <a:schemeClr val="accent1">
+              <a:shade val="50000"/>
+            </a:schemeClr>
+          </a:lnRef>
+          <a:fillRef idx="1">
+            <a:schemeClr val="accent1"/>
+          </a:fillRef>
+          <a:effectRef idx="0">
+            <a:schemeClr val="accent1"/>
+          </a:effectRef>
+          <a:fontRef idx="minor">
+            <a:schemeClr val="lt1"/>
+          </a:fontRef>
+        </p:style>
+        <p:txBody>
+          <a:bodyPr rtlCol="0" anchor="t"/>
+          <a:lstStyle/>
+          <a:p>
+            <a:pPr algn="dist"/>
+            <a:r>
+              <a:rPr lang="en-US" altLang="zh-TW" sz="2800" dirty="0">
+                <a:solidFill>
+                  <a:srgbClr val="C00000"/>
+                </a:solidFill>
+                <a:latin typeface="FOT-Matisse Pro B" panose="02020800000000000000" pitchFamily="18" charset="-128"/>
+                <a:ea typeface="FOT-Matisse Pro B" panose="02020800000000000000" pitchFamily="18" charset="-128"/>
+              </a:rPr>
+              <a:t>●</a:t>
+            </a:r>
+            <a:r>
+              <a:rPr lang="zh-TW" altLang="en-US" sz="2800" dirty="0">
+                <a:solidFill>
+                  <a:srgbClr val="C00000"/>
+                </a:solidFill>
+                <a:latin typeface="FOT-Matisse Pro B" panose="02020800000000000000" pitchFamily="18" charset="-128"/>
+                <a:ea typeface="FOT-Matisse Pro B" panose="02020800000000000000" pitchFamily="18" charset="-128"/>
+              </a:rPr>
+              <a:t>連線失敗</a:t>
+            </a:r>
+            <a:endParaRPr lang="en-US" altLang="zh-TW" sz="2800" dirty="0">
+              <a:solidFill>
+                <a:srgbClr val="C00000"/>
+              </a:solidFill>
+              <a:latin typeface="FOT-Matisse Pro B" panose="02020800000000000000" pitchFamily="18" charset="-128"/>
+              <a:ea typeface="FOT-Matisse Pro B" panose="02020800000000000000" pitchFamily="18" charset="-128"/>
+            </a:endParaRPr>
+          </a:p>
+          <a:p>
+            <a:pPr algn="dist"/>
+            <a:r>
+              <a:rPr lang="en-US" altLang="zh-TW" dirty="0">
+                <a:solidFill>
+                  <a:schemeClr val="tx1"/>
+                </a:solidFill>
+                <a:latin typeface="FOT-Matisse Pro B" panose="02020800000000000000" pitchFamily="18" charset="-128"/>
+                <a:ea typeface="FOT-Matisse Pro B" panose="02020800000000000000" pitchFamily="18" charset="-128"/>
+              </a:rPr>
+              <a:t>ERROR</a:t>
+            </a:r>
+            <a:endParaRPr lang="zh-TW" altLang="en-US" dirty="0">
+              <a:solidFill>
+                <a:schemeClr val="tx1"/>
+              </a:solidFill>
+              <a:latin typeface="FOT-Matisse Pro B" panose="02020800000000000000" pitchFamily="18" charset="-128"/>
+              <a:ea typeface="FOT-Matisse Pro B" panose="02020800000000000000" pitchFamily="18" charset="-128"/>
+            </a:endParaRPr>
+          </a:p>
+        </p:txBody>
+      </p:sp>
+      <p:sp>
+        <p:nvSpPr>
+          <p:cNvPr id="5" name="平行四邊形 4">
+            <a:extLst>
+              <a:ext uri="{FF2B5EF4-FFF2-40B4-BE49-F238E27FC236}">
+                <a16:creationId xmlns:a16="http://schemas.microsoft.com/office/drawing/2014/main" id="{07B11689-1A95-424D-F69F-73AF4591B89C}"/>
+              </a:ext>
+            </a:extLst>
+          </p:cNvPr>
+          <p:cNvSpPr/>
+          <p:nvPr/>
+        </p:nvSpPr>
+        <p:spPr>
+          <a:xfrm>
+            <a:off x="5784056" y="4267200"/>
+            <a:ext cx="623887" cy="419100"/>
+          </a:xfrm>
+          <a:prstGeom prst="parallelogram">
+            <a:avLst>
+              <a:gd name="adj" fmla="val 103936"/>
+            </a:avLst>
+          </a:prstGeom>
+          <a:solidFill>
+            <a:schemeClr val="tx1"/>
+          </a:solidFill>
+          <a:ln w="38100">
+            <a:solidFill>
+              <a:schemeClr val="tx1"/>
+            </a:solidFill>
+          </a:ln>
+        </p:spPr>
+        <p:style>
+          <a:lnRef idx="2">
+            <a:schemeClr val="accent1">
+              <a:shade val="50000"/>
+            </a:schemeClr>
+          </a:lnRef>
+          <a:fillRef idx="1">
+            <a:schemeClr val="accent1"/>
+          </a:fillRef>
+          <a:effectRef idx="0">
+            <a:schemeClr val="accent1"/>
+          </a:effectRef>
+          <a:fontRef idx="minor">
+            <a:schemeClr val="lt1"/>
+          </a:fontRef>
+        </p:style>
+        <p:txBody>
+          <a:bodyPr rtlCol="0" anchor="ctr"/>
+          <a:lstStyle/>
+          <a:p>
+            <a:pPr algn="ctr"/>
+            <a:endParaRPr lang="zh-TW" altLang="en-US"/>
+          </a:p>
+        </p:txBody>
+      </p:sp>
+      <p:sp>
+        <p:nvSpPr>
+          <p:cNvPr id="8" name="平行四邊形 7">
+            <a:extLst>
+              <a:ext uri="{FF2B5EF4-FFF2-40B4-BE49-F238E27FC236}">
+                <a16:creationId xmlns:a16="http://schemas.microsoft.com/office/drawing/2014/main" id="{526A4B4B-42DC-ABF7-0B40-D9A030C43F7C}"/>
+              </a:ext>
+            </a:extLst>
+          </p:cNvPr>
+          <p:cNvSpPr/>
+          <p:nvPr/>
+        </p:nvSpPr>
+        <p:spPr>
+          <a:xfrm>
+            <a:off x="6249590" y="4267200"/>
+            <a:ext cx="623887" cy="419100"/>
+          </a:xfrm>
+          <a:prstGeom prst="parallelogram">
+            <a:avLst>
+              <a:gd name="adj" fmla="val 103936"/>
+            </a:avLst>
+          </a:prstGeom>
+          <a:solidFill>
+            <a:schemeClr val="tx1"/>
+          </a:solidFill>
+          <a:ln w="38100">
+            <a:solidFill>
+              <a:schemeClr val="tx1"/>
+            </a:solidFill>
+          </a:ln>
+        </p:spPr>
+        <p:style>
+          <a:lnRef idx="2">
+            <a:schemeClr val="accent1">
+              <a:shade val="50000"/>
+            </a:schemeClr>
+          </a:lnRef>
+          <a:fillRef idx="1">
+            <a:schemeClr val="accent1"/>
+          </a:fillRef>
+          <a:effectRef idx="0">
+            <a:schemeClr val="accent1"/>
+          </a:effectRef>
+          <a:fontRef idx="minor">
+            <a:schemeClr val="lt1"/>
+          </a:fontRef>
+        </p:style>
+        <p:txBody>
+          <a:bodyPr rtlCol="0" anchor="ctr"/>
+          <a:lstStyle/>
+          <a:p>
+            <a:pPr algn="ctr"/>
+            <a:endParaRPr lang="zh-TW" altLang="en-US"/>
+          </a:p>
+        </p:txBody>
+      </p:sp>
+      <p:sp>
+        <p:nvSpPr>
+          <p:cNvPr id="9" name="平行四邊形 8">
+            <a:extLst>
+              <a:ext uri="{FF2B5EF4-FFF2-40B4-BE49-F238E27FC236}">
+                <a16:creationId xmlns:a16="http://schemas.microsoft.com/office/drawing/2014/main" id="{448A601D-DBAC-51F4-F088-F0A96579432F}"/>
+              </a:ext>
+            </a:extLst>
+          </p:cNvPr>
+          <p:cNvSpPr/>
+          <p:nvPr/>
+        </p:nvSpPr>
+        <p:spPr>
+          <a:xfrm>
+            <a:off x="5318524" y="4267200"/>
+            <a:ext cx="623887" cy="419100"/>
+          </a:xfrm>
+          <a:prstGeom prst="parallelogram">
+            <a:avLst>
+              <a:gd name="adj" fmla="val 103936"/>
+            </a:avLst>
+          </a:prstGeom>
+          <a:solidFill>
+            <a:schemeClr val="tx1"/>
+          </a:solidFill>
+          <a:ln w="38100">
+            <a:solidFill>
+              <a:schemeClr val="tx1"/>
+            </a:solidFill>
+          </a:ln>
+        </p:spPr>
+        <p:style>
+          <a:lnRef idx="2">
+            <a:schemeClr val="accent1">
+              <a:shade val="50000"/>
+            </a:schemeClr>
+          </a:lnRef>
+          <a:fillRef idx="1">
+            <a:schemeClr val="accent1"/>
+          </a:fillRef>
+          <a:effectRef idx="0">
+            <a:schemeClr val="accent1"/>
+          </a:effectRef>
+          <a:fontRef idx="minor">
+            <a:schemeClr val="lt1"/>
+          </a:fontRef>
+        </p:style>
+        <p:txBody>
+          <a:bodyPr rtlCol="0" anchor="ctr"/>
+          <a:lstStyle/>
+          <a:p>
+            <a:pPr algn="ctr"/>
+            <a:endParaRPr lang="zh-TW" altLang="en-US"/>
+          </a:p>
+        </p:txBody>
+      </p:sp>
+      <p:sp>
+        <p:nvSpPr>
+          <p:cNvPr id="10" name="平行四邊形 9">
+            <a:extLst>
+              <a:ext uri="{FF2B5EF4-FFF2-40B4-BE49-F238E27FC236}">
+                <a16:creationId xmlns:a16="http://schemas.microsoft.com/office/drawing/2014/main" id="{061156BB-27E1-5FC9-A620-AB3E57111038}"/>
+              </a:ext>
+            </a:extLst>
+          </p:cNvPr>
+          <p:cNvSpPr/>
+          <p:nvPr/>
+        </p:nvSpPr>
+        <p:spPr>
+          <a:xfrm>
+            <a:off x="6715122" y="4267200"/>
+            <a:ext cx="623887" cy="419100"/>
+          </a:xfrm>
+          <a:prstGeom prst="parallelogram">
+            <a:avLst>
+              <a:gd name="adj" fmla="val 103936"/>
+            </a:avLst>
+          </a:prstGeom>
+          <a:solidFill>
+            <a:schemeClr val="tx1"/>
+          </a:solidFill>
+          <a:ln w="38100">
+            <a:solidFill>
+              <a:schemeClr val="tx1"/>
+            </a:solidFill>
+          </a:ln>
+        </p:spPr>
+        <p:style>
+          <a:lnRef idx="2">
+            <a:schemeClr val="accent1">
+              <a:shade val="50000"/>
+            </a:schemeClr>
+          </a:lnRef>
+          <a:fillRef idx="1">
+            <a:schemeClr val="accent1"/>
+          </a:fillRef>
+          <a:effectRef idx="0">
+            <a:schemeClr val="accent1"/>
+          </a:effectRef>
+          <a:fontRef idx="minor">
+            <a:schemeClr val="lt1"/>
+          </a:fontRef>
+        </p:style>
+        <p:txBody>
+          <a:bodyPr rtlCol="0" anchor="ctr"/>
+          <a:lstStyle/>
+          <a:p>
+            <a:pPr algn="ctr"/>
+            <a:endParaRPr lang="zh-TW" altLang="en-US"/>
+          </a:p>
+        </p:txBody>
+      </p:sp>
+      <p:sp>
+        <p:nvSpPr>
+          <p:cNvPr id="11" name="平行四邊形 10">
+            <a:extLst>
+              <a:ext uri="{FF2B5EF4-FFF2-40B4-BE49-F238E27FC236}">
+                <a16:creationId xmlns:a16="http://schemas.microsoft.com/office/drawing/2014/main" id="{66909299-A96A-D32E-330F-E913D745A272}"/>
+              </a:ext>
+            </a:extLst>
+          </p:cNvPr>
+          <p:cNvSpPr/>
+          <p:nvPr/>
+        </p:nvSpPr>
+        <p:spPr>
+          <a:xfrm>
+            <a:off x="7180656" y="4267200"/>
+            <a:ext cx="623887" cy="419100"/>
+          </a:xfrm>
+          <a:prstGeom prst="parallelogram">
+            <a:avLst>
+              <a:gd name="adj" fmla="val 103936"/>
+            </a:avLst>
+          </a:prstGeom>
+          <a:solidFill>
+            <a:schemeClr val="tx1"/>
+          </a:solidFill>
+          <a:ln w="38100">
+            <a:solidFill>
+              <a:schemeClr val="tx1"/>
+            </a:solidFill>
+          </a:ln>
+        </p:spPr>
+        <p:style>
+          <a:lnRef idx="2">
+            <a:schemeClr val="accent1">
+              <a:shade val="50000"/>
+            </a:schemeClr>
+          </a:lnRef>
+          <a:fillRef idx="1">
+            <a:schemeClr val="accent1"/>
+          </a:fillRef>
+          <a:effectRef idx="0">
+            <a:schemeClr val="accent1"/>
+          </a:effectRef>
+          <a:fontRef idx="minor">
+            <a:schemeClr val="lt1"/>
+          </a:fontRef>
+        </p:style>
+        <p:txBody>
+          <a:bodyPr rtlCol="0" anchor="ctr"/>
+          <a:lstStyle/>
+          <a:p>
+            <a:pPr algn="ctr"/>
+            <a:endParaRPr lang="zh-TW" altLang="en-US"/>
+          </a:p>
+        </p:txBody>
+      </p:sp>
+      <p:sp>
+        <p:nvSpPr>
+          <p:cNvPr id="13" name="平行四邊形 12">
+            <a:extLst>
+              <a:ext uri="{FF2B5EF4-FFF2-40B4-BE49-F238E27FC236}">
+                <a16:creationId xmlns:a16="http://schemas.microsoft.com/office/drawing/2014/main" id="{A49C98DF-FA5A-572D-5507-72D7BC84F231}"/>
+              </a:ext>
+            </a:extLst>
+          </p:cNvPr>
+          <p:cNvSpPr/>
+          <p:nvPr/>
+        </p:nvSpPr>
+        <p:spPr>
+          <a:xfrm>
+            <a:off x="7646188" y="4267200"/>
+            <a:ext cx="623887" cy="419100"/>
+          </a:xfrm>
+          <a:prstGeom prst="parallelogram">
+            <a:avLst>
+              <a:gd name="adj" fmla="val 103936"/>
+            </a:avLst>
+          </a:prstGeom>
+          <a:solidFill>
+            <a:schemeClr val="tx1"/>
+          </a:solidFill>
+          <a:ln w="38100">
+            <a:solidFill>
+              <a:schemeClr val="tx1"/>
+            </a:solidFill>
+          </a:ln>
+        </p:spPr>
+        <p:style>
+          <a:lnRef idx="2">
+            <a:schemeClr val="accent1">
+              <a:shade val="50000"/>
+            </a:schemeClr>
+          </a:lnRef>
+          <a:fillRef idx="1">
+            <a:schemeClr val="accent1"/>
+          </a:fillRef>
+          <a:effectRef idx="0">
+            <a:schemeClr val="accent1"/>
+          </a:effectRef>
+          <a:fontRef idx="minor">
+            <a:schemeClr val="lt1"/>
+          </a:fontRef>
+        </p:style>
+        <p:txBody>
+          <a:bodyPr rtlCol="0" anchor="ctr"/>
+          <a:lstStyle/>
+          <a:p>
+            <a:pPr algn="ctr"/>
+            <a:endParaRPr lang="zh-TW" altLang="en-US"/>
+          </a:p>
+        </p:txBody>
+      </p:sp>
+    </p:spTree>
+    <p:extLst>
+      <p:ext uri="{BB962C8B-B14F-4D97-AF65-F5344CB8AC3E}">
+        <p14:creationId xmlns:p14="http://schemas.microsoft.com/office/powerpoint/2010/main" val="1661950722"/>
+      </p:ext>
+    </p:extLst>
+  </p:cSld>
+  <p:clrMapOvr>
+    <a:masterClrMapping/>
+  </p:clrMapOvr>
+</p:sld>
+</file>
+
+<file path=ppt/slides/slide3.xml><?xml version="1.0" encoding="utf-8"?>
+<p:sld xmlns:a="http://schemas.openxmlformats.org/drawingml/2006/main" xmlns:r="http://schemas.openxmlformats.org/officeDocument/2006/relationships" xmlns:p="http://schemas.openxmlformats.org/presentationml/2006/main">
+  <p:cSld>
+    <p:spTree>
+      <p:nvGrpSpPr>
+        <p:cNvPr id="1" name=""/>
+        <p:cNvGrpSpPr/>
+        <p:nvPr/>
+      </p:nvGrpSpPr>
+      <p:grpSpPr>
+        <a:xfrm>
+          <a:off x="0" y="0"/>
+          <a:ext cx="0" cy="0"/>
+          <a:chOff x="0" y="0"/>
+          <a:chExt cx="0" cy="0"/>
+        </a:xfrm>
+      </p:grpSpPr>
+      <p:grpSp>
+        <p:nvGrpSpPr>
+          <p:cNvPr id="46" name="群組 45">
+            <a:extLst>
+              <a:ext uri="{FF2B5EF4-FFF2-40B4-BE49-F238E27FC236}">
+                <a16:creationId xmlns:a16="http://schemas.microsoft.com/office/drawing/2014/main" id="{69E0C182-E5D6-2FE7-CB46-3E8C4F2C54BE}"/>
+              </a:ext>
+            </a:extLst>
+          </p:cNvPr>
+          <p:cNvGrpSpPr/>
+          <p:nvPr/>
+        </p:nvGrpSpPr>
+        <p:grpSpPr>
+          <a:xfrm>
+            <a:off x="722482" y="742948"/>
+            <a:ext cx="9764751" cy="474461"/>
+            <a:chOff x="722483" y="741161"/>
+            <a:chExt cx="9764751" cy="474461"/>
+          </a:xfrm>
+        </p:grpSpPr>
+        <p:sp>
+          <p:nvSpPr>
+            <p:cNvPr id="17" name="平行四邊形 16">
+              <a:extLst>
+                <a:ext uri="{FF2B5EF4-FFF2-40B4-BE49-F238E27FC236}">
+                  <a16:creationId xmlns:a16="http://schemas.microsoft.com/office/drawing/2014/main" id="{F4517A75-AF19-1CA0-F049-7578943CB96D}"/>
+                </a:ext>
+              </a:extLst>
+            </p:cNvPr>
+            <p:cNvSpPr/>
+            <p:nvPr/>
+          </p:nvSpPr>
+          <p:spPr>
+            <a:xfrm>
+              <a:off x="754996" y="742950"/>
+              <a:ext cx="485776" cy="448142"/>
+            </a:xfrm>
+            <a:prstGeom prst="parallelogram">
+              <a:avLst>
+                <a:gd name="adj" fmla="val 58334"/>
+              </a:avLst>
+            </a:prstGeom>
+            <a:gradFill flip="none" rotWithShape="1">
+              <a:gsLst>
+                <a:gs pos="0">
+                  <a:srgbClr val="0FE5E5"/>
+                </a:gs>
+                <a:gs pos="100000">
+                  <a:schemeClr val="accent4"/>
+                </a:gs>
+              </a:gsLst>
+              <a:lin ang="16200000" scaled="0"/>
+              <a:tileRect/>
+            </a:gradFill>
+            <a:ln>
+              <a:noFill/>
+            </a:ln>
+          </p:spPr>
+          <p:style>
+            <a:lnRef idx="2">
+              <a:schemeClr val="accent1">
+                <a:shade val="50000"/>
+              </a:schemeClr>
+            </a:lnRef>
+            <a:fillRef idx="1">
+              <a:schemeClr val="accent1"/>
+            </a:fillRef>
+            <a:effectRef idx="0">
+              <a:schemeClr val="accent1"/>
+            </a:effectRef>
+            <a:fontRef idx="minor">
+              <a:schemeClr val="lt1"/>
+            </a:fontRef>
+          </p:style>
+          <p:txBody>
+            <a:bodyPr rtlCol="0" anchor="ctr"/>
+            <a:lstStyle/>
+            <a:p>
+              <a:pPr algn="ctr"/>
+              <a:endParaRPr lang="zh-TW" altLang="en-US" dirty="0"/>
+            </a:p>
+          </p:txBody>
+        </p:sp>
+        <p:sp>
+          <p:nvSpPr>
+            <p:cNvPr id="45" name="矩形 44">
+              <a:extLst>
+                <a:ext uri="{FF2B5EF4-FFF2-40B4-BE49-F238E27FC236}">
+                  <a16:creationId xmlns:a16="http://schemas.microsoft.com/office/drawing/2014/main" id="{8F04981A-ACEB-1A8C-9717-C496A37B4348}"/>
+                </a:ext>
+              </a:extLst>
+            </p:cNvPr>
+            <p:cNvSpPr/>
+            <p:nvPr/>
+          </p:nvSpPr>
+          <p:spPr>
+            <a:xfrm>
+              <a:off x="722483" y="748897"/>
+              <a:ext cx="100018" cy="466725"/>
+            </a:xfrm>
+            <a:prstGeom prst="rect">
+              <a:avLst/>
+            </a:prstGeom>
+            <a:solidFill>
+              <a:schemeClr val="tx1"/>
+            </a:solidFill>
+            <a:ln w="57150">
+              <a:solidFill>
+                <a:schemeClr val="tx1"/>
+              </a:solidFill>
+            </a:ln>
+          </p:spPr>
+          <p:style>
+            <a:lnRef idx="2">
+              <a:schemeClr val="accent1">
+                <a:shade val="50000"/>
+              </a:schemeClr>
+            </a:lnRef>
+            <a:fillRef idx="1">
+              <a:schemeClr val="accent1"/>
+            </a:fillRef>
+            <a:effectRef idx="0">
+              <a:schemeClr val="accent1"/>
+            </a:effectRef>
+            <a:fontRef idx="minor">
+              <a:schemeClr val="lt1"/>
+            </a:fontRef>
+          </p:style>
+          <p:txBody>
+            <a:bodyPr rtlCol="0" anchor="ctr"/>
+            <a:lstStyle/>
+            <a:p>
+              <a:pPr algn="ctr"/>
+              <a:endParaRPr lang="zh-TW" altLang="en-US" dirty="0"/>
+            </a:p>
+          </p:txBody>
+        </p:sp>
+        <p:sp>
+          <p:nvSpPr>
+            <p:cNvPr id="18" name="平行四邊形 17">
+              <a:extLst>
+                <a:ext uri="{FF2B5EF4-FFF2-40B4-BE49-F238E27FC236}">
+                  <a16:creationId xmlns:a16="http://schemas.microsoft.com/office/drawing/2014/main" id="{83BB2D51-A498-497C-D7FC-3B4EB90A55A2}"/>
+                </a:ext>
+              </a:extLst>
+            </p:cNvPr>
+            <p:cNvSpPr/>
+            <p:nvPr/>
+          </p:nvSpPr>
+          <p:spPr>
+            <a:xfrm>
+              <a:off x="1208259" y="742950"/>
+              <a:ext cx="485776" cy="448142"/>
+            </a:xfrm>
+            <a:prstGeom prst="parallelogram">
+              <a:avLst>
+                <a:gd name="adj" fmla="val 58334"/>
+              </a:avLst>
+            </a:prstGeom>
+            <a:gradFill flip="none" rotWithShape="1">
+              <a:gsLst>
+                <a:gs pos="0">
+                  <a:srgbClr val="0FE5E5"/>
+                </a:gs>
+                <a:gs pos="100000">
+                  <a:schemeClr val="accent4"/>
+                </a:gs>
+              </a:gsLst>
+              <a:lin ang="16200000" scaled="0"/>
+              <a:tileRect/>
+            </a:gradFill>
+            <a:ln>
+              <a:noFill/>
+            </a:ln>
+          </p:spPr>
+          <p:style>
+            <a:lnRef idx="2">
+              <a:schemeClr val="accent1">
+                <a:shade val="50000"/>
+              </a:schemeClr>
+            </a:lnRef>
+            <a:fillRef idx="1">
+              <a:schemeClr val="accent1"/>
+            </a:fillRef>
+            <a:effectRef idx="0">
+              <a:schemeClr val="accent1"/>
+            </a:effectRef>
+            <a:fontRef idx="minor">
+              <a:schemeClr val="lt1"/>
+            </a:fontRef>
+          </p:style>
+          <p:txBody>
+            <a:bodyPr rtlCol="0" anchor="ctr"/>
+            <a:lstStyle/>
+            <a:p>
+              <a:pPr algn="ctr"/>
+              <a:endParaRPr lang="zh-TW" altLang="en-US" dirty="0"/>
+            </a:p>
+          </p:txBody>
+        </p:sp>
+        <p:sp>
+          <p:nvSpPr>
+            <p:cNvPr id="25" name="平行四邊形 24">
+              <a:extLst>
+                <a:ext uri="{FF2B5EF4-FFF2-40B4-BE49-F238E27FC236}">
+                  <a16:creationId xmlns:a16="http://schemas.microsoft.com/office/drawing/2014/main" id="{FCCEA4D4-868A-70C2-C8D5-58BCD5CC0B19}"/>
+                </a:ext>
+              </a:extLst>
+            </p:cNvPr>
+            <p:cNvSpPr/>
+            <p:nvPr/>
+          </p:nvSpPr>
+          <p:spPr>
+            <a:xfrm>
+              <a:off x="1694035" y="741161"/>
+              <a:ext cx="485776" cy="443517"/>
+            </a:xfrm>
+            <a:prstGeom prst="parallelogram">
+              <a:avLst>
+                <a:gd name="adj" fmla="val 58334"/>
+              </a:avLst>
+            </a:prstGeom>
+            <a:gradFill flip="none" rotWithShape="1">
+              <a:gsLst>
+                <a:gs pos="0">
+                  <a:srgbClr val="0FE5E5"/>
+                </a:gs>
+                <a:gs pos="100000">
+                  <a:schemeClr val="accent4"/>
+                </a:gs>
+              </a:gsLst>
+              <a:lin ang="16200000" scaled="0"/>
+              <a:tileRect/>
+            </a:gradFill>
+            <a:ln>
+              <a:noFill/>
+            </a:ln>
+          </p:spPr>
+          <p:style>
+            <a:lnRef idx="2">
+              <a:schemeClr val="accent1">
+                <a:shade val="50000"/>
+              </a:schemeClr>
+            </a:lnRef>
+            <a:fillRef idx="1">
+              <a:schemeClr val="accent1"/>
+            </a:fillRef>
+            <a:effectRef idx="0">
+              <a:schemeClr val="accent1"/>
+            </a:effectRef>
+            <a:fontRef idx="minor">
+              <a:schemeClr val="lt1"/>
+            </a:fontRef>
+          </p:style>
+          <p:txBody>
+            <a:bodyPr rtlCol="0" anchor="ctr"/>
+            <a:lstStyle/>
+            <a:p>
+              <a:pPr algn="ctr"/>
+              <a:endParaRPr lang="zh-TW" altLang="en-US" dirty="0"/>
+            </a:p>
+          </p:txBody>
+        </p:sp>
+        <p:sp>
+          <p:nvSpPr>
+            <p:cNvPr id="26" name="平行四邊形 25">
+              <a:extLst>
+                <a:ext uri="{FF2B5EF4-FFF2-40B4-BE49-F238E27FC236}">
+                  <a16:creationId xmlns:a16="http://schemas.microsoft.com/office/drawing/2014/main" id="{DE6E9298-FF91-D73C-B82D-80AAB6D50B29}"/>
+                </a:ext>
+              </a:extLst>
+            </p:cNvPr>
+            <p:cNvSpPr/>
+            <p:nvPr/>
+          </p:nvSpPr>
+          <p:spPr>
+            <a:xfrm>
+              <a:off x="2147298" y="741161"/>
+              <a:ext cx="485776" cy="443517"/>
+            </a:xfrm>
+            <a:prstGeom prst="parallelogram">
+              <a:avLst>
+                <a:gd name="adj" fmla="val 58334"/>
+              </a:avLst>
+            </a:prstGeom>
+            <a:gradFill flip="none" rotWithShape="1">
+              <a:gsLst>
+                <a:gs pos="0">
+                  <a:srgbClr val="0FE5E5"/>
+                </a:gs>
+                <a:gs pos="100000">
+                  <a:schemeClr val="accent4"/>
+                </a:gs>
+              </a:gsLst>
+              <a:lin ang="16200000" scaled="0"/>
+              <a:tileRect/>
+            </a:gradFill>
+            <a:ln>
+              <a:noFill/>
+            </a:ln>
+          </p:spPr>
+          <p:style>
+            <a:lnRef idx="2">
+              <a:schemeClr val="accent1">
+                <a:shade val="50000"/>
+              </a:schemeClr>
+            </a:lnRef>
+            <a:fillRef idx="1">
+              <a:schemeClr val="accent1"/>
+            </a:fillRef>
+            <a:effectRef idx="0">
+              <a:schemeClr val="accent1"/>
+            </a:effectRef>
+            <a:fontRef idx="minor">
+              <a:schemeClr val="lt1"/>
+            </a:fontRef>
+          </p:style>
+          <p:txBody>
+            <a:bodyPr rtlCol="0" anchor="ctr"/>
+            <a:lstStyle/>
+            <a:p>
+              <a:pPr algn="ctr"/>
+              <a:endParaRPr lang="zh-TW" altLang="en-US" dirty="0"/>
+            </a:p>
+          </p:txBody>
+        </p:sp>
+        <p:sp>
+          <p:nvSpPr>
+            <p:cNvPr id="27" name="平行四邊形 26">
+              <a:extLst>
+                <a:ext uri="{FF2B5EF4-FFF2-40B4-BE49-F238E27FC236}">
+                  <a16:creationId xmlns:a16="http://schemas.microsoft.com/office/drawing/2014/main" id="{226A155D-AC5E-27EE-8C97-F0C24EC757CF}"/>
+                </a:ext>
+              </a:extLst>
+            </p:cNvPr>
+            <p:cNvSpPr/>
+            <p:nvPr/>
+          </p:nvSpPr>
+          <p:spPr>
+            <a:xfrm>
+              <a:off x="2598083" y="750686"/>
+              <a:ext cx="485776" cy="440406"/>
+            </a:xfrm>
+            <a:prstGeom prst="parallelogram">
+              <a:avLst>
+                <a:gd name="adj" fmla="val 58334"/>
+              </a:avLst>
+            </a:prstGeom>
+            <a:gradFill flip="none" rotWithShape="1">
+              <a:gsLst>
+                <a:gs pos="0">
+                  <a:srgbClr val="0FE5E5"/>
+                </a:gs>
+                <a:gs pos="100000">
+                  <a:schemeClr val="accent4"/>
+                </a:gs>
+              </a:gsLst>
+              <a:lin ang="16200000" scaled="0"/>
+              <a:tileRect/>
+            </a:gradFill>
+            <a:ln>
+              <a:noFill/>
+            </a:ln>
+          </p:spPr>
+          <p:style>
+            <a:lnRef idx="2">
+              <a:schemeClr val="accent1">
+                <a:shade val="50000"/>
+              </a:schemeClr>
+            </a:lnRef>
+            <a:fillRef idx="1">
+              <a:schemeClr val="accent1"/>
+            </a:fillRef>
+            <a:effectRef idx="0">
+              <a:schemeClr val="accent1"/>
+            </a:effectRef>
+            <a:fontRef idx="minor">
+              <a:schemeClr val="lt1"/>
+            </a:fontRef>
+          </p:style>
+          <p:txBody>
+            <a:bodyPr rtlCol="0" anchor="ctr"/>
+            <a:lstStyle/>
+            <a:p>
+              <a:pPr algn="ctr"/>
+              <a:endParaRPr lang="zh-TW" altLang="en-US" dirty="0"/>
+            </a:p>
+          </p:txBody>
+        </p:sp>
+        <p:sp>
+          <p:nvSpPr>
+            <p:cNvPr id="28" name="平行四邊形 27">
+              <a:extLst>
+                <a:ext uri="{FF2B5EF4-FFF2-40B4-BE49-F238E27FC236}">
+                  <a16:creationId xmlns:a16="http://schemas.microsoft.com/office/drawing/2014/main" id="{063682C5-7258-71C0-6AD3-218B9B4E2EEE}"/>
+                </a:ext>
+              </a:extLst>
+            </p:cNvPr>
+            <p:cNvSpPr/>
+            <p:nvPr/>
+          </p:nvSpPr>
+          <p:spPr>
+            <a:xfrm>
+              <a:off x="3051346" y="750686"/>
+              <a:ext cx="485776" cy="440406"/>
+            </a:xfrm>
+            <a:prstGeom prst="parallelogram">
+              <a:avLst>
+                <a:gd name="adj" fmla="val 58334"/>
+              </a:avLst>
+            </a:prstGeom>
+            <a:gradFill flip="none" rotWithShape="1">
+              <a:gsLst>
+                <a:gs pos="0">
+                  <a:srgbClr val="0FE5E5"/>
+                </a:gs>
+                <a:gs pos="100000">
+                  <a:schemeClr val="accent4"/>
+                </a:gs>
+              </a:gsLst>
+              <a:lin ang="16200000" scaled="0"/>
+              <a:tileRect/>
+            </a:gradFill>
+            <a:ln>
+              <a:noFill/>
+            </a:ln>
+          </p:spPr>
+          <p:style>
+            <a:lnRef idx="2">
+              <a:schemeClr val="accent1">
+                <a:shade val="50000"/>
+              </a:schemeClr>
+            </a:lnRef>
+            <a:fillRef idx="1">
+              <a:schemeClr val="accent1"/>
+            </a:fillRef>
+            <a:effectRef idx="0">
+              <a:schemeClr val="accent1"/>
+            </a:effectRef>
+            <a:fontRef idx="minor">
+              <a:schemeClr val="lt1"/>
+            </a:fontRef>
+          </p:style>
+          <p:txBody>
+            <a:bodyPr rtlCol="0" anchor="ctr"/>
+            <a:lstStyle/>
+            <a:p>
+              <a:pPr algn="ctr"/>
+              <a:endParaRPr lang="zh-TW" altLang="en-US" dirty="0"/>
+            </a:p>
+          </p:txBody>
+        </p:sp>
+        <p:sp>
+          <p:nvSpPr>
+            <p:cNvPr id="29" name="平行四邊形 28">
+              <a:extLst>
+                <a:ext uri="{FF2B5EF4-FFF2-40B4-BE49-F238E27FC236}">
+                  <a16:creationId xmlns:a16="http://schemas.microsoft.com/office/drawing/2014/main" id="{6A97C841-FB0B-4DD8-0B41-859CBE23DF63}"/>
+                </a:ext>
+              </a:extLst>
+            </p:cNvPr>
+            <p:cNvSpPr/>
+            <p:nvPr/>
+          </p:nvSpPr>
+          <p:spPr>
+            <a:xfrm>
+              <a:off x="3537122" y="748897"/>
+              <a:ext cx="485776" cy="443517"/>
+            </a:xfrm>
+            <a:prstGeom prst="parallelogram">
+              <a:avLst>
+                <a:gd name="adj" fmla="val 58334"/>
+              </a:avLst>
+            </a:prstGeom>
+            <a:gradFill flip="none" rotWithShape="1">
+              <a:gsLst>
+                <a:gs pos="0">
+                  <a:srgbClr val="0FE5E5"/>
+                </a:gs>
+                <a:gs pos="100000">
+                  <a:schemeClr val="accent4"/>
+                </a:gs>
+              </a:gsLst>
+              <a:lin ang="16200000" scaled="0"/>
+              <a:tileRect/>
+            </a:gradFill>
+            <a:ln>
+              <a:noFill/>
+            </a:ln>
+          </p:spPr>
+          <p:style>
+            <a:lnRef idx="2">
+              <a:schemeClr val="accent1">
+                <a:shade val="50000"/>
+              </a:schemeClr>
+            </a:lnRef>
+            <a:fillRef idx="1">
+              <a:schemeClr val="accent1"/>
+            </a:fillRef>
+            <a:effectRef idx="0">
+              <a:schemeClr val="accent1"/>
+            </a:effectRef>
+            <a:fontRef idx="minor">
+              <a:schemeClr val="lt1"/>
+            </a:fontRef>
+          </p:style>
+          <p:txBody>
+            <a:bodyPr rtlCol="0" anchor="ctr"/>
+            <a:lstStyle/>
+            <a:p>
+              <a:pPr algn="ctr"/>
+              <a:endParaRPr lang="zh-TW" altLang="en-US" dirty="0"/>
+            </a:p>
+          </p:txBody>
+        </p:sp>
+        <p:sp>
+          <p:nvSpPr>
+            <p:cNvPr id="30" name="平行四邊形 29">
+              <a:extLst>
+                <a:ext uri="{FF2B5EF4-FFF2-40B4-BE49-F238E27FC236}">
+                  <a16:creationId xmlns:a16="http://schemas.microsoft.com/office/drawing/2014/main" id="{5B7222EF-D243-C808-E9BE-AFD1ACA4801A}"/>
+                </a:ext>
+              </a:extLst>
+            </p:cNvPr>
+            <p:cNvSpPr/>
+            <p:nvPr/>
+          </p:nvSpPr>
+          <p:spPr>
+            <a:xfrm>
+              <a:off x="3990385" y="748897"/>
+              <a:ext cx="485776" cy="443517"/>
+            </a:xfrm>
+            <a:prstGeom prst="parallelogram">
+              <a:avLst>
+                <a:gd name="adj" fmla="val 58334"/>
+              </a:avLst>
+            </a:prstGeom>
+            <a:gradFill flip="none" rotWithShape="1">
+              <a:gsLst>
+                <a:gs pos="0">
+                  <a:srgbClr val="0FE5E5"/>
+                </a:gs>
+                <a:gs pos="100000">
+                  <a:schemeClr val="accent4"/>
+                </a:gs>
+              </a:gsLst>
+              <a:lin ang="16200000" scaled="0"/>
+              <a:tileRect/>
+            </a:gradFill>
+            <a:ln>
+              <a:noFill/>
+            </a:ln>
+          </p:spPr>
+          <p:style>
+            <a:lnRef idx="2">
+              <a:schemeClr val="accent1">
+                <a:shade val="50000"/>
+              </a:schemeClr>
+            </a:lnRef>
+            <a:fillRef idx="1">
+              <a:schemeClr val="accent1"/>
+            </a:fillRef>
+            <a:effectRef idx="0">
+              <a:schemeClr val="accent1"/>
+            </a:effectRef>
+            <a:fontRef idx="minor">
+              <a:schemeClr val="lt1"/>
+            </a:fontRef>
+          </p:style>
+          <p:txBody>
+            <a:bodyPr rtlCol="0" anchor="ctr"/>
+            <a:lstStyle/>
+            <a:p>
+              <a:pPr algn="ctr"/>
+              <a:endParaRPr lang="zh-TW" altLang="en-US"/>
+            </a:p>
+          </p:txBody>
+        </p:sp>
+        <p:sp>
+          <p:nvSpPr>
+            <p:cNvPr id="31" name="平行四邊形 30">
+              <a:extLst>
+                <a:ext uri="{FF2B5EF4-FFF2-40B4-BE49-F238E27FC236}">
+                  <a16:creationId xmlns:a16="http://schemas.microsoft.com/office/drawing/2014/main" id="{ED48E8AD-9C40-21C3-E281-2BBF2D72ECE4}"/>
+                </a:ext>
+              </a:extLst>
+            </p:cNvPr>
+            <p:cNvSpPr/>
+            <p:nvPr/>
+          </p:nvSpPr>
+          <p:spPr>
+            <a:xfrm>
+              <a:off x="4441170" y="746528"/>
+              <a:ext cx="485776" cy="443518"/>
+            </a:xfrm>
+            <a:prstGeom prst="parallelogram">
+              <a:avLst>
+                <a:gd name="adj" fmla="val 58334"/>
+              </a:avLst>
+            </a:prstGeom>
+            <a:gradFill flip="none" rotWithShape="1">
+              <a:gsLst>
+                <a:gs pos="0">
+                  <a:srgbClr val="0FE5E5"/>
+                </a:gs>
+                <a:gs pos="100000">
+                  <a:schemeClr val="accent4"/>
+                </a:gs>
+              </a:gsLst>
+              <a:lin ang="16200000" scaled="0"/>
+              <a:tileRect/>
+            </a:gradFill>
+            <a:ln>
+              <a:noFill/>
+            </a:ln>
+          </p:spPr>
+          <p:style>
+            <a:lnRef idx="2">
+              <a:schemeClr val="accent1">
+                <a:shade val="50000"/>
+              </a:schemeClr>
+            </a:lnRef>
+            <a:fillRef idx="1">
+              <a:schemeClr val="accent1"/>
+            </a:fillRef>
+            <a:effectRef idx="0">
+              <a:schemeClr val="accent1"/>
+            </a:effectRef>
+            <a:fontRef idx="minor">
+              <a:schemeClr val="lt1"/>
+            </a:fontRef>
+          </p:style>
+          <p:txBody>
+            <a:bodyPr rtlCol="0" anchor="ctr"/>
+            <a:lstStyle/>
+            <a:p>
+              <a:pPr algn="ctr"/>
+              <a:endParaRPr lang="zh-TW" altLang="en-US" dirty="0"/>
+            </a:p>
+          </p:txBody>
+        </p:sp>
+        <p:sp>
+          <p:nvSpPr>
+            <p:cNvPr id="32" name="平行四邊形 31">
+              <a:extLst>
+                <a:ext uri="{FF2B5EF4-FFF2-40B4-BE49-F238E27FC236}">
+                  <a16:creationId xmlns:a16="http://schemas.microsoft.com/office/drawing/2014/main" id="{00003081-EF31-3F05-673B-236ABC10C0FA}"/>
+                </a:ext>
+              </a:extLst>
+            </p:cNvPr>
+            <p:cNvSpPr/>
+            <p:nvPr/>
+          </p:nvSpPr>
+          <p:spPr>
+            <a:xfrm>
+              <a:off x="4894433" y="741161"/>
+              <a:ext cx="485776" cy="443517"/>
+            </a:xfrm>
+            <a:prstGeom prst="parallelogram">
+              <a:avLst>
+                <a:gd name="adj" fmla="val 58334"/>
+              </a:avLst>
+            </a:prstGeom>
+            <a:gradFill flip="none" rotWithShape="1">
+              <a:gsLst>
+                <a:gs pos="0">
+                  <a:srgbClr val="0FE5E5"/>
+                </a:gs>
+                <a:gs pos="100000">
+                  <a:schemeClr val="accent4"/>
+                </a:gs>
+              </a:gsLst>
+              <a:lin ang="16200000" scaled="0"/>
+              <a:tileRect/>
+            </a:gradFill>
+            <a:ln>
+              <a:noFill/>
+            </a:ln>
+          </p:spPr>
+          <p:style>
+            <a:lnRef idx="2">
+              <a:schemeClr val="accent1">
+                <a:shade val="50000"/>
+              </a:schemeClr>
+            </a:lnRef>
+            <a:fillRef idx="1">
+              <a:schemeClr val="accent1"/>
+            </a:fillRef>
+            <a:effectRef idx="0">
+              <a:schemeClr val="accent1"/>
+            </a:effectRef>
+            <a:fontRef idx="minor">
+              <a:schemeClr val="lt1"/>
+            </a:fontRef>
+          </p:style>
+          <p:txBody>
+            <a:bodyPr rtlCol="0" anchor="ctr"/>
+            <a:lstStyle/>
+            <a:p>
+              <a:pPr algn="ctr"/>
+              <a:endParaRPr lang="zh-TW" altLang="en-US" dirty="0"/>
+            </a:p>
+          </p:txBody>
+        </p:sp>
+        <p:sp>
+          <p:nvSpPr>
+            <p:cNvPr id="33" name="平行四邊形 32">
+              <a:extLst>
+                <a:ext uri="{FF2B5EF4-FFF2-40B4-BE49-F238E27FC236}">
+                  <a16:creationId xmlns:a16="http://schemas.microsoft.com/office/drawing/2014/main" id="{A1C9BDC5-3B2D-EEC8-D0F9-1919BBD09C97}"/>
+                </a:ext>
+              </a:extLst>
+            </p:cNvPr>
+            <p:cNvSpPr/>
+            <p:nvPr/>
+          </p:nvSpPr>
+          <p:spPr>
+            <a:xfrm>
+              <a:off x="5380209" y="741161"/>
+              <a:ext cx="485776" cy="451253"/>
+            </a:xfrm>
+            <a:prstGeom prst="parallelogram">
+              <a:avLst>
+                <a:gd name="adj" fmla="val 58334"/>
+              </a:avLst>
+            </a:prstGeom>
+            <a:gradFill flip="none" rotWithShape="1">
+              <a:gsLst>
+                <a:gs pos="0">
+                  <a:srgbClr val="0FE5E5"/>
+                </a:gs>
+                <a:gs pos="100000">
+                  <a:schemeClr val="accent4"/>
+                </a:gs>
+              </a:gsLst>
+              <a:lin ang="16200000" scaled="0"/>
+              <a:tileRect/>
+            </a:gradFill>
+            <a:ln>
+              <a:noFill/>
+            </a:ln>
+          </p:spPr>
+          <p:style>
+            <a:lnRef idx="2">
+              <a:schemeClr val="accent1">
+                <a:shade val="50000"/>
+              </a:schemeClr>
+            </a:lnRef>
+            <a:fillRef idx="1">
+              <a:schemeClr val="accent1"/>
+            </a:fillRef>
+            <a:effectRef idx="0">
+              <a:schemeClr val="accent1"/>
+            </a:effectRef>
+            <a:fontRef idx="minor">
+              <a:schemeClr val="lt1"/>
+            </a:fontRef>
+          </p:style>
+          <p:txBody>
+            <a:bodyPr rtlCol="0" anchor="ctr"/>
+            <a:lstStyle/>
+            <a:p>
+              <a:pPr algn="ctr"/>
+              <a:endParaRPr lang="zh-TW" altLang="en-US" dirty="0"/>
+            </a:p>
+          </p:txBody>
+        </p:sp>
+        <p:sp>
+          <p:nvSpPr>
+            <p:cNvPr id="34" name="平行四邊形 33">
+              <a:extLst>
+                <a:ext uri="{FF2B5EF4-FFF2-40B4-BE49-F238E27FC236}">
+                  <a16:creationId xmlns:a16="http://schemas.microsoft.com/office/drawing/2014/main" id="{9927FEDE-7CC7-D7C9-926A-0E2F0BBA50FF}"/>
+                </a:ext>
+              </a:extLst>
+            </p:cNvPr>
+            <p:cNvSpPr/>
+            <p:nvPr/>
+          </p:nvSpPr>
+          <p:spPr>
+            <a:xfrm>
+              <a:off x="5833472" y="748897"/>
+              <a:ext cx="485776" cy="443517"/>
+            </a:xfrm>
+            <a:prstGeom prst="parallelogram">
+              <a:avLst>
+                <a:gd name="adj" fmla="val 58334"/>
+              </a:avLst>
+            </a:prstGeom>
+            <a:gradFill flip="none" rotWithShape="1">
+              <a:gsLst>
+                <a:gs pos="0">
+                  <a:srgbClr val="0FE5E5"/>
+                </a:gs>
+                <a:gs pos="100000">
+                  <a:schemeClr val="accent4"/>
+                </a:gs>
+              </a:gsLst>
+              <a:lin ang="16200000" scaled="0"/>
+              <a:tileRect/>
+            </a:gradFill>
+            <a:ln>
+              <a:noFill/>
+            </a:ln>
+          </p:spPr>
+          <p:style>
+            <a:lnRef idx="2">
+              <a:schemeClr val="accent1">
+                <a:shade val="50000"/>
+              </a:schemeClr>
+            </a:lnRef>
+            <a:fillRef idx="1">
+              <a:schemeClr val="accent1"/>
+            </a:fillRef>
+            <a:effectRef idx="0">
+              <a:schemeClr val="accent1"/>
+            </a:effectRef>
+            <a:fontRef idx="minor">
+              <a:schemeClr val="lt1"/>
+            </a:fontRef>
+          </p:style>
+          <p:txBody>
+            <a:bodyPr rtlCol="0" anchor="ctr"/>
+            <a:lstStyle/>
+            <a:p>
+              <a:pPr algn="ctr"/>
+              <a:endParaRPr lang="zh-TW" altLang="en-US" dirty="0"/>
+            </a:p>
+          </p:txBody>
+        </p:sp>
+        <p:sp>
+          <p:nvSpPr>
+            <p:cNvPr id="35" name="平行四邊形 34">
+              <a:extLst>
+                <a:ext uri="{FF2B5EF4-FFF2-40B4-BE49-F238E27FC236}">
+                  <a16:creationId xmlns:a16="http://schemas.microsoft.com/office/drawing/2014/main" id="{5ABD572D-31AD-D10D-B7BA-91DE5932E343}"/>
+                </a:ext>
+              </a:extLst>
+            </p:cNvPr>
+            <p:cNvSpPr/>
+            <p:nvPr/>
+          </p:nvSpPr>
+          <p:spPr>
+            <a:xfrm>
+              <a:off x="6284257" y="748897"/>
+              <a:ext cx="485776" cy="443517"/>
+            </a:xfrm>
+            <a:prstGeom prst="parallelogram">
+              <a:avLst>
+                <a:gd name="adj" fmla="val 58334"/>
+              </a:avLst>
+            </a:prstGeom>
+            <a:gradFill flip="none" rotWithShape="1">
+              <a:gsLst>
+                <a:gs pos="0">
+                  <a:srgbClr val="0FE5E5"/>
+                </a:gs>
+                <a:gs pos="100000">
+                  <a:schemeClr val="accent4"/>
+                </a:gs>
+              </a:gsLst>
+              <a:lin ang="16200000" scaled="0"/>
+              <a:tileRect/>
+            </a:gradFill>
+            <a:ln>
+              <a:noFill/>
+            </a:ln>
+          </p:spPr>
+          <p:style>
+            <a:lnRef idx="2">
+              <a:schemeClr val="accent1">
+                <a:shade val="50000"/>
+              </a:schemeClr>
+            </a:lnRef>
+            <a:fillRef idx="1">
+              <a:schemeClr val="accent1"/>
+            </a:fillRef>
+            <a:effectRef idx="0">
+              <a:schemeClr val="accent1"/>
+            </a:effectRef>
+            <a:fontRef idx="minor">
+              <a:schemeClr val="lt1"/>
+            </a:fontRef>
+          </p:style>
+          <p:txBody>
+            <a:bodyPr rtlCol="0" anchor="ctr"/>
+            <a:lstStyle/>
+            <a:p>
+              <a:pPr algn="ctr"/>
+              <a:endParaRPr lang="zh-TW" altLang="en-US" dirty="0"/>
+            </a:p>
+          </p:txBody>
+        </p:sp>
+        <p:sp>
+          <p:nvSpPr>
+            <p:cNvPr id="36" name="平行四邊形 35">
+              <a:extLst>
+                <a:ext uri="{FF2B5EF4-FFF2-40B4-BE49-F238E27FC236}">
+                  <a16:creationId xmlns:a16="http://schemas.microsoft.com/office/drawing/2014/main" id="{0A6207E0-B876-9176-757D-ED9C435AE92F}"/>
+                </a:ext>
+              </a:extLst>
+            </p:cNvPr>
+            <p:cNvSpPr/>
+            <p:nvPr/>
+          </p:nvSpPr>
+          <p:spPr>
+            <a:xfrm>
+              <a:off x="6737520" y="741161"/>
+              <a:ext cx="485776" cy="443517"/>
+            </a:xfrm>
+            <a:prstGeom prst="parallelogram">
+              <a:avLst>
+                <a:gd name="adj" fmla="val 58334"/>
+              </a:avLst>
+            </a:prstGeom>
+            <a:gradFill flip="none" rotWithShape="1">
+              <a:gsLst>
+                <a:gs pos="0">
+                  <a:srgbClr val="0FE5E5"/>
+                </a:gs>
+                <a:gs pos="100000">
+                  <a:schemeClr val="accent4"/>
+                </a:gs>
+              </a:gsLst>
+              <a:lin ang="16200000" scaled="0"/>
+              <a:tileRect/>
+            </a:gradFill>
+            <a:ln>
+              <a:noFill/>
+            </a:ln>
+          </p:spPr>
+          <p:style>
+            <a:lnRef idx="2">
+              <a:schemeClr val="accent1">
+                <a:shade val="50000"/>
+              </a:schemeClr>
+            </a:lnRef>
+            <a:fillRef idx="1">
+              <a:schemeClr val="accent1"/>
+            </a:fillRef>
+            <a:effectRef idx="0">
+              <a:schemeClr val="accent1"/>
+            </a:effectRef>
+            <a:fontRef idx="minor">
+              <a:schemeClr val="lt1"/>
+            </a:fontRef>
+          </p:style>
+          <p:txBody>
+            <a:bodyPr rtlCol="0" anchor="ctr"/>
+            <a:lstStyle/>
+            <a:p>
+              <a:pPr algn="ctr"/>
+              <a:endParaRPr lang="zh-TW" altLang="en-US" dirty="0"/>
+            </a:p>
+          </p:txBody>
+        </p:sp>
+        <p:sp>
+          <p:nvSpPr>
+            <p:cNvPr id="37" name="平行四邊形 36">
+              <a:extLst>
+                <a:ext uri="{FF2B5EF4-FFF2-40B4-BE49-F238E27FC236}">
+                  <a16:creationId xmlns:a16="http://schemas.microsoft.com/office/drawing/2014/main" id="{7CDC47D8-E411-1F04-FC96-BAEADDD7C22F}"/>
+                </a:ext>
+              </a:extLst>
+            </p:cNvPr>
+            <p:cNvSpPr/>
+            <p:nvPr/>
+          </p:nvSpPr>
+          <p:spPr>
+            <a:xfrm>
+              <a:off x="7223296" y="748897"/>
+              <a:ext cx="485776" cy="443517"/>
+            </a:xfrm>
+            <a:prstGeom prst="parallelogram">
+              <a:avLst>
+                <a:gd name="adj" fmla="val 58334"/>
+              </a:avLst>
+            </a:prstGeom>
+            <a:gradFill flip="none" rotWithShape="1">
+              <a:gsLst>
+                <a:gs pos="0">
+                  <a:srgbClr val="0FE5E5"/>
+                </a:gs>
+                <a:gs pos="100000">
+                  <a:schemeClr val="accent4"/>
+                </a:gs>
+              </a:gsLst>
+              <a:lin ang="16200000" scaled="0"/>
+              <a:tileRect/>
+            </a:gradFill>
+            <a:ln>
+              <a:noFill/>
+            </a:ln>
+          </p:spPr>
+          <p:style>
+            <a:lnRef idx="2">
+              <a:schemeClr val="accent1">
+                <a:shade val="50000"/>
+              </a:schemeClr>
+            </a:lnRef>
+            <a:fillRef idx="1">
+              <a:schemeClr val="accent1"/>
+            </a:fillRef>
+            <a:effectRef idx="0">
+              <a:schemeClr val="accent1"/>
+            </a:effectRef>
+            <a:fontRef idx="minor">
+              <a:schemeClr val="lt1"/>
+            </a:fontRef>
+          </p:style>
+          <p:txBody>
+            <a:bodyPr rtlCol="0" anchor="ctr"/>
+            <a:lstStyle/>
+            <a:p>
+              <a:pPr algn="ctr"/>
+              <a:endParaRPr lang="zh-TW" altLang="en-US" dirty="0"/>
+            </a:p>
+          </p:txBody>
+        </p:sp>
+        <p:sp>
+          <p:nvSpPr>
+            <p:cNvPr id="38" name="平行四邊形 37">
+              <a:extLst>
+                <a:ext uri="{FF2B5EF4-FFF2-40B4-BE49-F238E27FC236}">
+                  <a16:creationId xmlns:a16="http://schemas.microsoft.com/office/drawing/2014/main" id="{B3565C37-D09E-989D-00B3-EC48C032C741}"/>
+                </a:ext>
+              </a:extLst>
+            </p:cNvPr>
+            <p:cNvSpPr/>
+            <p:nvPr/>
+          </p:nvSpPr>
+          <p:spPr>
+            <a:xfrm>
+              <a:off x="7676559" y="746528"/>
+              <a:ext cx="485776" cy="445886"/>
+            </a:xfrm>
+            <a:prstGeom prst="parallelogram">
+              <a:avLst>
+                <a:gd name="adj" fmla="val 58334"/>
+              </a:avLst>
+            </a:prstGeom>
+            <a:gradFill flip="none" rotWithShape="1">
+              <a:gsLst>
+                <a:gs pos="0">
+                  <a:srgbClr val="0FE5E5"/>
+                </a:gs>
+                <a:gs pos="100000">
+                  <a:schemeClr val="accent4"/>
+                </a:gs>
+              </a:gsLst>
+              <a:lin ang="16200000" scaled="0"/>
+              <a:tileRect/>
+            </a:gradFill>
+            <a:ln>
+              <a:noFill/>
+            </a:ln>
+          </p:spPr>
+          <p:style>
+            <a:lnRef idx="2">
+              <a:schemeClr val="accent1">
+                <a:shade val="50000"/>
+              </a:schemeClr>
+            </a:lnRef>
+            <a:fillRef idx="1">
+              <a:schemeClr val="accent1"/>
+            </a:fillRef>
+            <a:effectRef idx="0">
+              <a:schemeClr val="accent1"/>
+            </a:effectRef>
+            <a:fontRef idx="minor">
+              <a:schemeClr val="lt1"/>
+            </a:fontRef>
+          </p:style>
+          <p:txBody>
+            <a:bodyPr rtlCol="0" anchor="ctr"/>
+            <a:lstStyle/>
+            <a:p>
+              <a:pPr algn="ctr"/>
+              <a:endParaRPr lang="zh-TW" altLang="en-US" dirty="0"/>
+            </a:p>
+          </p:txBody>
+        </p:sp>
+        <p:sp>
+          <p:nvSpPr>
+            <p:cNvPr id="39" name="平行四邊形 38">
+              <a:extLst>
+                <a:ext uri="{FF2B5EF4-FFF2-40B4-BE49-F238E27FC236}">
+                  <a16:creationId xmlns:a16="http://schemas.microsoft.com/office/drawing/2014/main" id="{0D0B0CD2-D923-DF85-CE49-6648A317C006}"/>
+                </a:ext>
+              </a:extLst>
+            </p:cNvPr>
+            <p:cNvSpPr/>
+            <p:nvPr/>
+          </p:nvSpPr>
+          <p:spPr>
+            <a:xfrm>
+              <a:off x="8158371" y="752941"/>
+              <a:ext cx="485776" cy="431737"/>
+            </a:xfrm>
+            <a:prstGeom prst="parallelogram">
+              <a:avLst>
+                <a:gd name="adj" fmla="val 58334"/>
+              </a:avLst>
+            </a:prstGeom>
+            <a:gradFill flip="none" rotWithShape="1">
+              <a:gsLst>
+                <a:gs pos="0">
+                  <a:srgbClr val="0FE5E5"/>
+                </a:gs>
+                <a:gs pos="100000">
+                  <a:schemeClr val="accent4"/>
+                </a:gs>
+              </a:gsLst>
+              <a:lin ang="16200000" scaled="0"/>
+              <a:tileRect/>
+            </a:gradFill>
+            <a:ln>
+              <a:noFill/>
+            </a:ln>
+          </p:spPr>
+          <p:style>
+            <a:lnRef idx="2">
+              <a:schemeClr val="accent1">
+                <a:shade val="50000"/>
+              </a:schemeClr>
+            </a:lnRef>
+            <a:fillRef idx="1">
+              <a:schemeClr val="accent1"/>
+            </a:fillRef>
+            <a:effectRef idx="0">
+              <a:schemeClr val="accent1"/>
+            </a:effectRef>
+            <a:fontRef idx="minor">
+              <a:schemeClr val="lt1"/>
+            </a:fontRef>
+          </p:style>
+          <p:txBody>
+            <a:bodyPr rtlCol="0" anchor="ctr"/>
+            <a:lstStyle/>
+            <a:p>
+              <a:pPr algn="ctr"/>
+              <a:endParaRPr lang="zh-TW" altLang="en-US" dirty="0"/>
+            </a:p>
+          </p:txBody>
+        </p:sp>
+        <p:sp>
+          <p:nvSpPr>
+            <p:cNvPr id="40" name="平行四邊形 39">
+              <a:extLst>
+                <a:ext uri="{FF2B5EF4-FFF2-40B4-BE49-F238E27FC236}">
+                  <a16:creationId xmlns:a16="http://schemas.microsoft.com/office/drawing/2014/main" id="{53653FC6-D1E7-50DC-2D23-D8F8EA8A5ED7}"/>
+                </a:ext>
+              </a:extLst>
+            </p:cNvPr>
+            <p:cNvSpPr/>
+            <p:nvPr/>
+          </p:nvSpPr>
+          <p:spPr>
+            <a:xfrm>
+              <a:off x="8609156" y="746993"/>
+              <a:ext cx="485776" cy="437685"/>
+            </a:xfrm>
+            <a:prstGeom prst="parallelogram">
+              <a:avLst>
+                <a:gd name="adj" fmla="val 58334"/>
+              </a:avLst>
+            </a:prstGeom>
+            <a:gradFill flip="none" rotWithShape="1">
+              <a:gsLst>
+                <a:gs pos="0">
+                  <a:srgbClr val="0FE5E5"/>
+                </a:gs>
+                <a:gs pos="100000">
+                  <a:schemeClr val="accent4"/>
+                </a:gs>
+              </a:gsLst>
+              <a:lin ang="16200000" scaled="0"/>
+              <a:tileRect/>
+            </a:gradFill>
+            <a:ln>
+              <a:noFill/>
+            </a:ln>
+          </p:spPr>
+          <p:style>
+            <a:lnRef idx="2">
+              <a:schemeClr val="accent1">
+                <a:shade val="50000"/>
+              </a:schemeClr>
+            </a:lnRef>
+            <a:fillRef idx="1">
+              <a:schemeClr val="accent1"/>
+            </a:fillRef>
+            <a:effectRef idx="0">
+              <a:schemeClr val="accent1"/>
+            </a:effectRef>
+            <a:fontRef idx="minor">
+              <a:schemeClr val="lt1"/>
+            </a:fontRef>
+          </p:style>
+          <p:txBody>
+            <a:bodyPr rtlCol="0" anchor="ctr"/>
+            <a:lstStyle/>
+            <a:p>
+              <a:pPr algn="ctr"/>
+              <a:endParaRPr lang="zh-TW" altLang="en-US"/>
+            </a:p>
+          </p:txBody>
+        </p:sp>
+        <p:sp>
+          <p:nvSpPr>
+            <p:cNvPr id="41" name="平行四邊形 40">
+              <a:extLst>
+                <a:ext uri="{FF2B5EF4-FFF2-40B4-BE49-F238E27FC236}">
+                  <a16:creationId xmlns:a16="http://schemas.microsoft.com/office/drawing/2014/main" id="{1FDED7F4-6BAF-9AE9-BAE4-D6A306E53431}"/>
+                </a:ext>
+              </a:extLst>
+            </p:cNvPr>
+            <p:cNvSpPr/>
+            <p:nvPr/>
+          </p:nvSpPr>
+          <p:spPr>
+            <a:xfrm>
+              <a:off x="9062419" y="746993"/>
+              <a:ext cx="485776" cy="443053"/>
+            </a:xfrm>
+            <a:prstGeom prst="parallelogram">
+              <a:avLst>
+                <a:gd name="adj" fmla="val 58334"/>
+              </a:avLst>
+            </a:prstGeom>
+            <a:gradFill flip="none" rotWithShape="1">
+              <a:gsLst>
+                <a:gs pos="0">
+                  <a:srgbClr val="0FE5E5"/>
+                </a:gs>
+                <a:gs pos="100000">
+                  <a:schemeClr val="accent4"/>
+                </a:gs>
+              </a:gsLst>
+              <a:lin ang="16200000" scaled="0"/>
+              <a:tileRect/>
+            </a:gradFill>
+            <a:ln>
+              <a:noFill/>
+            </a:ln>
+          </p:spPr>
+          <p:style>
+            <a:lnRef idx="2">
+              <a:schemeClr val="accent1">
+                <a:shade val="50000"/>
+              </a:schemeClr>
+            </a:lnRef>
+            <a:fillRef idx="1">
+              <a:schemeClr val="accent1"/>
+            </a:fillRef>
+            <a:effectRef idx="0">
+              <a:schemeClr val="accent1"/>
+            </a:effectRef>
+            <a:fontRef idx="minor">
+              <a:schemeClr val="lt1"/>
+            </a:fontRef>
+          </p:style>
+          <p:txBody>
+            <a:bodyPr rtlCol="0" anchor="ctr"/>
+            <a:lstStyle/>
+            <a:p>
+              <a:pPr algn="ctr"/>
+              <a:endParaRPr lang="zh-TW" altLang="en-US" dirty="0"/>
+            </a:p>
+          </p:txBody>
+        </p:sp>
+        <p:sp>
+          <p:nvSpPr>
+            <p:cNvPr id="42" name="平行四邊形 41">
+              <a:extLst>
+                <a:ext uri="{FF2B5EF4-FFF2-40B4-BE49-F238E27FC236}">
+                  <a16:creationId xmlns:a16="http://schemas.microsoft.com/office/drawing/2014/main" id="{2C367B50-2800-3938-E1F6-3C8762B7C2A7}"/>
+                </a:ext>
+              </a:extLst>
+            </p:cNvPr>
+            <p:cNvSpPr/>
+            <p:nvPr/>
+          </p:nvSpPr>
+          <p:spPr>
+            <a:xfrm>
+              <a:off x="9548195" y="745205"/>
+              <a:ext cx="485776" cy="445886"/>
+            </a:xfrm>
+            <a:prstGeom prst="parallelogram">
+              <a:avLst>
+                <a:gd name="adj" fmla="val 58334"/>
+              </a:avLst>
+            </a:prstGeom>
+            <a:gradFill flip="none" rotWithShape="1">
+              <a:gsLst>
+                <a:gs pos="0">
+                  <a:srgbClr val="0FE5E5"/>
+                </a:gs>
+                <a:gs pos="100000">
+                  <a:schemeClr val="accent4"/>
+                </a:gs>
+              </a:gsLst>
+              <a:lin ang="16200000" scaled="0"/>
+              <a:tileRect/>
+            </a:gradFill>
+            <a:ln>
+              <a:noFill/>
+            </a:ln>
+          </p:spPr>
+          <p:style>
+            <a:lnRef idx="2">
+              <a:schemeClr val="accent1">
+                <a:shade val="50000"/>
+              </a:schemeClr>
+            </a:lnRef>
+            <a:fillRef idx="1">
+              <a:schemeClr val="accent1"/>
+            </a:fillRef>
+            <a:effectRef idx="0">
+              <a:schemeClr val="accent1"/>
+            </a:effectRef>
+            <a:fontRef idx="minor">
+              <a:schemeClr val="lt1"/>
+            </a:fontRef>
+          </p:style>
+          <p:txBody>
+            <a:bodyPr rtlCol="0" anchor="ctr"/>
+            <a:lstStyle/>
+            <a:p>
+              <a:pPr algn="ctr"/>
+              <a:endParaRPr lang="zh-TW" altLang="en-US" dirty="0"/>
+            </a:p>
+          </p:txBody>
+        </p:sp>
+        <p:sp>
+          <p:nvSpPr>
+            <p:cNvPr id="43" name="平行四邊形 42">
+              <a:extLst>
+                <a:ext uri="{FF2B5EF4-FFF2-40B4-BE49-F238E27FC236}">
+                  <a16:creationId xmlns:a16="http://schemas.microsoft.com/office/drawing/2014/main" id="{514A7F6B-7C77-DC83-AF61-2E1B43A4E723}"/>
+                </a:ext>
+              </a:extLst>
+            </p:cNvPr>
+            <p:cNvSpPr/>
+            <p:nvPr/>
+          </p:nvSpPr>
+          <p:spPr>
+            <a:xfrm>
+              <a:off x="10001458" y="745205"/>
+              <a:ext cx="485776" cy="439473"/>
+            </a:xfrm>
+            <a:prstGeom prst="parallelogram">
+              <a:avLst>
+                <a:gd name="adj" fmla="val 58334"/>
+              </a:avLst>
+            </a:prstGeom>
+            <a:gradFill flip="none" rotWithShape="1">
+              <a:gsLst>
+                <a:gs pos="0">
+                  <a:srgbClr val="0FE5E5"/>
+                </a:gs>
+                <a:gs pos="100000">
+                  <a:schemeClr val="accent4"/>
+                </a:gs>
+              </a:gsLst>
+              <a:lin ang="16200000" scaled="0"/>
+              <a:tileRect/>
+            </a:gradFill>
+            <a:ln>
+              <a:noFill/>
+            </a:ln>
+          </p:spPr>
+          <p:style>
+            <a:lnRef idx="2">
+              <a:schemeClr val="accent1">
+                <a:shade val="50000"/>
+              </a:schemeClr>
+            </a:lnRef>
+            <a:fillRef idx="1">
+              <a:schemeClr val="accent1"/>
+            </a:fillRef>
+            <a:effectRef idx="0">
+              <a:schemeClr val="accent1"/>
+            </a:effectRef>
+            <a:fontRef idx="minor">
+              <a:schemeClr val="lt1"/>
+            </a:fontRef>
+          </p:style>
+          <p:txBody>
+            <a:bodyPr rtlCol="0" anchor="ctr"/>
+            <a:lstStyle/>
+            <a:p>
+              <a:pPr algn="ctr"/>
+              <a:endParaRPr lang="zh-TW" altLang="en-US" dirty="0"/>
+            </a:p>
+          </p:txBody>
+        </p:sp>
+      </p:grpSp>
+      <p:sp>
+        <p:nvSpPr>
+          <p:cNvPr id="47" name="矩形 46">
+            <a:extLst>
+              <a:ext uri="{FF2B5EF4-FFF2-40B4-BE49-F238E27FC236}">
+                <a16:creationId xmlns:a16="http://schemas.microsoft.com/office/drawing/2014/main" id="{3A751D5A-FE95-3C23-B846-1185F7ADF6F3}"/>
+              </a:ext>
+            </a:extLst>
+          </p:cNvPr>
+          <p:cNvSpPr/>
+          <p:nvPr/>
+        </p:nvSpPr>
+        <p:spPr>
+          <a:xfrm>
+            <a:off x="10323040" y="733426"/>
+            <a:ext cx="164193" cy="466726"/>
+          </a:xfrm>
+          <a:prstGeom prst="rect">
+            <a:avLst/>
+          </a:prstGeom>
+          <a:solidFill>
+            <a:schemeClr val="tx1"/>
+          </a:solidFill>
+          <a:ln>
+            <a:noFill/>
+          </a:ln>
+        </p:spPr>
+        <p:style>
+          <a:lnRef idx="2">
+            <a:schemeClr val="accent1">
+              <a:shade val="50000"/>
+            </a:schemeClr>
+          </a:lnRef>
+          <a:fillRef idx="1">
+            <a:schemeClr val="accent1"/>
+          </a:fillRef>
+          <a:effectRef idx="0">
+            <a:schemeClr val="accent1"/>
+          </a:effectRef>
+          <a:fontRef idx="minor">
+            <a:schemeClr val="lt1"/>
+          </a:fontRef>
+        </p:style>
+        <p:txBody>
+          <a:bodyPr rtlCol="0" anchor="ctr"/>
+          <a:lstStyle/>
+          <a:p>
+            <a:pPr algn="ctr"/>
+            <a:endParaRPr lang="zh-TW" altLang="en-US" dirty="0"/>
+          </a:p>
+        </p:txBody>
+      </p:sp>
+      <p:sp>
+        <p:nvSpPr>
+          <p:cNvPr id="3" name="矩形: 剪去對角角落 2">
+            <a:extLst>
+              <a:ext uri="{FF2B5EF4-FFF2-40B4-BE49-F238E27FC236}">
+                <a16:creationId xmlns:a16="http://schemas.microsoft.com/office/drawing/2014/main" id="{690BCA14-680A-5535-4599-C787976A6F8D}"/>
+              </a:ext>
+            </a:extLst>
+          </p:cNvPr>
+          <p:cNvSpPr/>
+          <p:nvPr/>
+        </p:nvSpPr>
+        <p:spPr>
+          <a:xfrm>
+            <a:off x="876299" y="1209675"/>
+            <a:ext cx="10643507" cy="5133975"/>
+          </a:xfrm>
+          <a:prstGeom prst="snip2DiagRect">
+            <a:avLst>
+              <a:gd name="adj1" fmla="val 0"/>
+              <a:gd name="adj2" fmla="val 22560"/>
+            </a:avLst>
+          </a:prstGeom>
+          <a:noFill/>
+          <a:ln w="57150" cap="sq" cmpd="thinThick">
+            <a:gradFill>
+              <a:gsLst>
+                <a:gs pos="0">
+                  <a:schemeClr val="accent5"/>
+                </a:gs>
+                <a:gs pos="54000">
+                  <a:schemeClr val="accent1">
+                    <a:lumMod val="45000"/>
+                    <a:lumOff val="55000"/>
+                  </a:schemeClr>
+                </a:gs>
+                <a:gs pos="83000">
+                  <a:schemeClr val="accent1">
+                    <a:lumMod val="45000"/>
+                    <a:lumOff val="55000"/>
+                  </a:schemeClr>
+                </a:gs>
+                <a:gs pos="100000">
+                  <a:schemeClr val="bg1"/>
+                </a:gs>
+              </a:gsLst>
+              <a:lin ang="5400000" scaled="1"/>
+            </a:gradFill>
+            <a:prstDash val="solid"/>
+            <a:miter lim="800000"/>
+          </a:ln>
+          <a:effectLst>
+            <a:glow rad="228600">
+              <a:schemeClr val="accent5">
+                <a:satMod val="175000"/>
+                <a:alpha val="40000"/>
+              </a:schemeClr>
+            </a:glow>
+          </a:effectLst>
+        </p:spPr>
+        <p:style>
+          <a:lnRef idx="2">
+            <a:schemeClr val="accent1">
+              <a:shade val="50000"/>
+            </a:schemeClr>
+          </a:lnRef>
+          <a:fillRef idx="1">
+            <a:schemeClr val="accent1"/>
+          </a:fillRef>
+          <a:effectRef idx="0">
+            <a:schemeClr val="accent1"/>
+          </a:effectRef>
+          <a:fontRef idx="minor">
+            <a:schemeClr val="lt1"/>
+          </a:fontRef>
+        </p:style>
+        <p:txBody>
+          <a:bodyPr rtlCol="0" anchor="ctr"/>
+          <a:lstStyle/>
+          <a:p>
+            <a:pPr algn="ctr"/>
+            <a:endParaRPr lang="zh-TW" altLang="en-US"/>
+          </a:p>
+        </p:txBody>
+      </p:sp>
+      <p:grpSp>
+        <p:nvGrpSpPr>
+          <p:cNvPr id="16" name="群組 15">
+            <a:extLst>
+              <a:ext uri="{FF2B5EF4-FFF2-40B4-BE49-F238E27FC236}">
+                <a16:creationId xmlns:a16="http://schemas.microsoft.com/office/drawing/2014/main" id="{39005F8B-7C9E-83C6-0ECC-0F4796A88F2D}"/>
+              </a:ext>
+            </a:extLst>
+          </p:cNvPr>
+          <p:cNvGrpSpPr/>
+          <p:nvPr/>
+        </p:nvGrpSpPr>
+        <p:grpSpPr>
+          <a:xfrm>
+            <a:off x="876299" y="333375"/>
+            <a:ext cx="9427030" cy="400050"/>
+            <a:chOff x="876299" y="723900"/>
+            <a:chExt cx="9427030" cy="400050"/>
+          </a:xfrm>
+        </p:grpSpPr>
+        <p:grpSp>
+          <p:nvGrpSpPr>
+            <p:cNvPr id="7" name="群組 6">
+              <a:extLst>
+                <a:ext uri="{FF2B5EF4-FFF2-40B4-BE49-F238E27FC236}">
+                  <a16:creationId xmlns:a16="http://schemas.microsoft.com/office/drawing/2014/main" id="{5D26B3FE-122D-1652-2243-53C0D2716AE5}"/>
+                </a:ext>
+              </a:extLst>
+            </p:cNvPr>
+            <p:cNvGrpSpPr/>
+            <p:nvPr/>
+          </p:nvGrpSpPr>
+          <p:grpSpPr>
+            <a:xfrm>
+              <a:off x="876299" y="723900"/>
+              <a:ext cx="9427030" cy="400050"/>
+              <a:chOff x="876300" y="723900"/>
+              <a:chExt cx="9427030" cy="400050"/>
+            </a:xfrm>
+          </p:grpSpPr>
+          <p:sp>
+            <p:nvSpPr>
+              <p:cNvPr id="2" name="矩形: 剪去單一角落 1">
+                <a:extLst>
+                  <a:ext uri="{FF2B5EF4-FFF2-40B4-BE49-F238E27FC236}">
+                    <a16:creationId xmlns:a16="http://schemas.microsoft.com/office/drawing/2014/main" id="{9B6F803A-86AD-0470-9509-0AB075FAD87F}"/>
+                  </a:ext>
+                </a:extLst>
+              </p:cNvPr>
+              <p:cNvSpPr/>
+              <p:nvPr/>
+            </p:nvSpPr>
+            <p:spPr>
+              <a:xfrm>
+                <a:off x="876300" y="723900"/>
+                <a:ext cx="9427030" cy="400050"/>
+              </a:xfrm>
+              <a:prstGeom prst="snip1Rect">
+                <a:avLst>
+                  <a:gd name="adj" fmla="val 50000"/>
+                </a:avLst>
+              </a:prstGeom>
+              <a:noFill/>
+              <a:ln w="38100" cap="rnd" cmpd="dbl">
+                <a:gradFill flip="none" rotWithShape="1">
+                  <a:gsLst>
+                    <a:gs pos="0">
+                      <a:schemeClr val="accent1">
+                        <a:lumMod val="5000"/>
+                        <a:lumOff val="95000"/>
+                      </a:schemeClr>
+                    </a:gs>
+                    <a:gs pos="42000">
+                      <a:schemeClr val="accent4">
+                        <a:lumMod val="40000"/>
+                        <a:lumOff val="60000"/>
+                      </a:schemeClr>
+                    </a:gs>
+                    <a:gs pos="100000">
+                      <a:schemeClr val="accent4"/>
+                    </a:gs>
+                  </a:gsLst>
+                  <a:lin ang="2700000" scaled="1"/>
+                  <a:tileRect/>
+                </a:gradFill>
+              </a:ln>
+              <a:effectLst>
+                <a:glow rad="101600">
+                  <a:schemeClr val="accent4">
+                    <a:satMod val="175000"/>
+                    <a:alpha val="40000"/>
+                  </a:schemeClr>
+                </a:glow>
+              </a:effectLst>
+            </p:spPr>
+            <p:style>
+              <a:lnRef idx="2">
+                <a:schemeClr val="accent1">
+                  <a:shade val="50000"/>
+                </a:schemeClr>
+              </a:lnRef>
+              <a:fillRef idx="1">
+                <a:schemeClr val="accent1"/>
+              </a:fillRef>
+              <a:effectRef idx="0">
+                <a:schemeClr val="accent1"/>
+              </a:effectRef>
+              <a:fontRef idx="minor">
+                <a:schemeClr val="lt1"/>
+              </a:fontRef>
+            </p:style>
+            <p:txBody>
+              <a:bodyPr rtlCol="0" anchor="ctr"/>
+              <a:lstStyle/>
+              <a:p>
+                <a:pPr algn="ctr"/>
+                <a:endParaRPr lang="zh-TW" altLang="en-US" dirty="0"/>
+              </a:p>
+            </p:txBody>
+          </p:sp>
+          <p:sp>
+            <p:nvSpPr>
+              <p:cNvPr id="6" name="矩形: 圓角 5">
+                <a:extLst>
+                  <a:ext uri="{FF2B5EF4-FFF2-40B4-BE49-F238E27FC236}">
+                    <a16:creationId xmlns:a16="http://schemas.microsoft.com/office/drawing/2014/main" id="{3E1026E7-7A01-FD76-FBA8-8D7FF76F7338}"/>
+                  </a:ext>
+                </a:extLst>
+              </p:cNvPr>
+              <p:cNvSpPr/>
+              <p:nvPr/>
+            </p:nvSpPr>
+            <p:spPr>
+              <a:xfrm>
+                <a:off x="949389" y="821229"/>
+                <a:ext cx="1274699" cy="209551"/>
+              </a:xfrm>
+              <a:prstGeom prst="roundRect">
+                <a:avLst/>
+              </a:prstGeom>
+              <a:noFill/>
+              <a:ln w="28575">
+                <a:solidFill>
+                  <a:srgbClr val="C00000"/>
+                </a:solidFill>
+              </a:ln>
+            </p:spPr>
+            <p:style>
+              <a:lnRef idx="2">
+                <a:schemeClr val="accent1">
+                  <a:shade val="50000"/>
+                </a:schemeClr>
+              </a:lnRef>
+              <a:fillRef idx="1">
+                <a:schemeClr val="accent1"/>
+              </a:fillRef>
+              <a:effectRef idx="0">
+                <a:schemeClr val="accent1"/>
+              </a:effectRef>
+              <a:fontRef idx="minor">
+                <a:schemeClr val="lt1"/>
+              </a:fontRef>
+            </p:style>
+            <p:txBody>
+              <a:bodyPr rtlCol="0" anchor="ctr"/>
+              <a:lstStyle/>
+              <a:p>
+                <a:pPr algn="dist"/>
+                <a:r>
+                  <a:rPr lang="zh-TW" altLang="en-US" sz="1200" dirty="0">
+                    <a:solidFill>
+                      <a:schemeClr val="accent6"/>
+                    </a:solidFill>
+                    <a:effectLst>
+                      <a:glow rad="139700">
+                        <a:schemeClr val="accent6">
+                          <a:satMod val="175000"/>
+                          <a:alpha val="40000"/>
+                        </a:schemeClr>
+                      </a:glow>
+                    </a:effectLst>
+                    <a:latin typeface="FOT-Matisse Pro B" panose="02020800000000000000" pitchFamily="18" charset="-128"/>
+                    <a:ea typeface="FOT-Matisse Pro B" panose="02020800000000000000" pitchFamily="18" charset="-128"/>
+                  </a:rPr>
+                  <a:t>●</a:t>
+                </a:r>
+                <a:r>
+                  <a:rPr lang="zh-TW" altLang="en-US" sz="1200" dirty="0">
+                    <a:solidFill>
+                      <a:srgbClr val="C00000"/>
+                    </a:solidFill>
+                    <a:latin typeface="FOT-Matisse Pro B" panose="02020800000000000000" pitchFamily="18" charset="-128"/>
+                    <a:ea typeface="FOT-Matisse Pro B" panose="02020800000000000000" pitchFamily="18" charset="-128"/>
+                  </a:rPr>
+                  <a:t>遠端連線</a:t>
+                </a:r>
+                <a:endParaRPr lang="zh-TW" altLang="en-US" sz="1200" dirty="0">
+                  <a:solidFill>
+                    <a:schemeClr val="bg1"/>
+                  </a:solidFill>
+                  <a:latin typeface="FOT-Matisse Pro B" panose="02020800000000000000" pitchFamily="18" charset="-128"/>
+                  <a:ea typeface="FOT-Matisse Pro B" panose="02020800000000000000" pitchFamily="18" charset="-128"/>
+                </a:endParaRPr>
+              </a:p>
+            </p:txBody>
+          </p:sp>
+        </p:grpSp>
+        <p:sp>
+          <p:nvSpPr>
+            <p:cNvPr id="10" name="文字方塊 9">
+              <a:extLst>
+                <a:ext uri="{FF2B5EF4-FFF2-40B4-BE49-F238E27FC236}">
+                  <a16:creationId xmlns:a16="http://schemas.microsoft.com/office/drawing/2014/main" id="{24D41BC9-6314-B982-9787-5942E8437AD1}"/>
+                </a:ext>
+              </a:extLst>
+            </p:cNvPr>
+            <p:cNvSpPr txBox="1"/>
+            <p:nvPr/>
+          </p:nvSpPr>
+          <p:spPr>
+            <a:xfrm>
+              <a:off x="2179810" y="793120"/>
+              <a:ext cx="6042170" cy="261610"/>
+            </a:xfrm>
+            <a:prstGeom prst="rect">
+              <a:avLst/>
+            </a:prstGeom>
+            <a:noFill/>
+          </p:spPr>
+          <p:txBody>
+            <a:bodyPr wrap="square">
+              <a:spAutoFit/>
+            </a:bodyPr>
+            <a:lstStyle/>
+            <a:p>
+              <a:r>
+                <a:rPr lang="en-US" altLang="zh-TW" sz="1100" dirty="0">
+                  <a:solidFill>
+                    <a:schemeClr val="bg1"/>
+                  </a:solidFill>
+                  <a:latin typeface="FOT-Matisse Pro B" panose="02020800000000000000" pitchFamily="18" charset="-128"/>
+                  <a:ea typeface="FOT-Matisse Pro B" panose="02020800000000000000" pitchFamily="18" charset="-128"/>
+                </a:rPr>
+                <a:t>[140.116.100.86:8080]:</a:t>
+              </a:r>
+              <a:endParaRPr lang="zh-TW" altLang="en-US" sz="1100" dirty="0"/>
+            </a:p>
+          </p:txBody>
+        </p:sp>
+      </p:grpSp>
+      <p:sp>
+        <p:nvSpPr>
+          <p:cNvPr id="49" name="矩形: 剪去單一角落 48">
+            <a:extLst>
+              <a:ext uri="{FF2B5EF4-FFF2-40B4-BE49-F238E27FC236}">
+                <a16:creationId xmlns:a16="http://schemas.microsoft.com/office/drawing/2014/main" id="{16901716-A9B3-8D37-4721-172CF5DF4D69}"/>
+              </a:ext>
+            </a:extLst>
+          </p:cNvPr>
+          <p:cNvSpPr/>
+          <p:nvPr/>
+        </p:nvSpPr>
+        <p:spPr>
+          <a:xfrm flipH="1">
+            <a:off x="10772773" y="3771900"/>
+            <a:ext cx="747032" cy="2571750"/>
+          </a:xfrm>
+          <a:prstGeom prst="snip1Rect">
+            <a:avLst>
+              <a:gd name="adj" fmla="val 50000"/>
+            </a:avLst>
+          </a:prstGeom>
+          <a:noFill/>
+          <a:ln w="57150" cap="sq" cmpd="thinThick">
+            <a:gradFill>
+              <a:gsLst>
+                <a:gs pos="0">
+                  <a:schemeClr val="accent5"/>
+                </a:gs>
+                <a:gs pos="54000">
+                  <a:schemeClr val="accent1">
+                    <a:lumMod val="45000"/>
+                    <a:lumOff val="55000"/>
+                  </a:schemeClr>
+                </a:gs>
+                <a:gs pos="83000">
+                  <a:schemeClr val="accent1">
+                    <a:lumMod val="45000"/>
+                    <a:lumOff val="55000"/>
+                  </a:schemeClr>
+                </a:gs>
+                <a:gs pos="100000">
+                  <a:schemeClr val="bg1"/>
+                </a:gs>
+              </a:gsLst>
+              <a:lin ang="5400000" scaled="1"/>
+            </a:gradFill>
+            <a:prstDash val="solid"/>
+            <a:miter lim="800000"/>
+          </a:ln>
+          <a:effectLst>
+            <a:glow rad="228600">
+              <a:schemeClr val="accent5">
+                <a:satMod val="175000"/>
+                <a:alpha val="40000"/>
+              </a:schemeClr>
+            </a:glow>
+          </a:effectLst>
+        </p:spPr>
+        <p:style>
+          <a:lnRef idx="2">
+            <a:schemeClr val="accent1">
+              <a:shade val="50000"/>
+            </a:schemeClr>
+          </a:lnRef>
+          <a:fillRef idx="1">
+            <a:schemeClr val="accent1"/>
+          </a:fillRef>
+          <a:effectRef idx="0">
+            <a:schemeClr val="accent1"/>
+          </a:effectRef>
+          <a:fontRef idx="minor">
+            <a:schemeClr val="lt1"/>
+          </a:fontRef>
+        </p:style>
+        <p:txBody>
+          <a:bodyPr rtlCol="0" anchor="ctr"/>
+          <a:lstStyle/>
+          <a:p>
+            <a:pPr algn="ctr"/>
+            <a:endParaRPr lang="zh-TW" altLang="en-US"/>
+          </a:p>
+        </p:txBody>
+      </p:sp>
+      <p:sp>
+        <p:nvSpPr>
+          <p:cNvPr id="50" name="矩形: 剪去單一角落 49">
+            <a:extLst>
+              <a:ext uri="{FF2B5EF4-FFF2-40B4-BE49-F238E27FC236}">
+                <a16:creationId xmlns:a16="http://schemas.microsoft.com/office/drawing/2014/main" id="{7B9AC7BC-44BB-0639-4CA6-E3FC516D70D1}"/>
+              </a:ext>
+            </a:extLst>
+          </p:cNvPr>
+          <p:cNvSpPr/>
+          <p:nvPr/>
+        </p:nvSpPr>
+        <p:spPr>
+          <a:xfrm flipH="1">
+            <a:off x="10828598" y="3820510"/>
+            <a:ext cx="982401" cy="2802540"/>
+          </a:xfrm>
+          <a:prstGeom prst="snip1Rect">
+            <a:avLst>
+              <a:gd name="adj" fmla="val 36225"/>
+            </a:avLst>
+          </a:prstGeom>
+          <a:solidFill>
+            <a:schemeClr val="tx1"/>
+          </a:solidFill>
+          <a:ln w="57150" cap="sq" cmpd="sng">
+            <a:solidFill>
+              <a:schemeClr val="tx1"/>
+            </a:solidFill>
+            <a:prstDash val="solid"/>
+            <a:miter lim="800000"/>
+          </a:ln>
+          <a:effectLst/>
+        </p:spPr>
+        <p:style>
+          <a:lnRef idx="2">
+            <a:schemeClr val="accent1">
+              <a:shade val="50000"/>
+            </a:schemeClr>
+          </a:lnRef>
+          <a:fillRef idx="1">
+            <a:schemeClr val="accent1"/>
+          </a:fillRef>
+          <a:effectRef idx="0">
+            <a:schemeClr val="accent1"/>
+          </a:effectRef>
+          <a:fontRef idx="minor">
+            <a:schemeClr val="lt1"/>
+          </a:fontRef>
+        </p:style>
+        <p:txBody>
+          <a:bodyPr rtlCol="0" anchor="ctr"/>
+          <a:lstStyle/>
+          <a:p>
+            <a:pPr algn="ctr"/>
+            <a:endParaRPr lang="zh-TW" altLang="en-US"/>
+          </a:p>
+        </p:txBody>
+      </p:sp>
+      <p:sp>
+        <p:nvSpPr>
+          <p:cNvPr id="51" name="矩形: 剪去單一角落 50">
+            <a:extLst>
+              <a:ext uri="{FF2B5EF4-FFF2-40B4-BE49-F238E27FC236}">
+                <a16:creationId xmlns:a16="http://schemas.microsoft.com/office/drawing/2014/main" id="{5E89903F-CC6E-29B0-60D7-9B76F94D4E33}"/>
+              </a:ext>
+            </a:extLst>
+          </p:cNvPr>
+          <p:cNvSpPr/>
+          <p:nvPr/>
+        </p:nvSpPr>
+        <p:spPr>
+          <a:xfrm flipH="1">
+            <a:off x="10925173" y="3924300"/>
+            <a:ext cx="609602" cy="2419350"/>
+          </a:xfrm>
+          <a:prstGeom prst="snip1Rect">
+            <a:avLst>
+              <a:gd name="adj" fmla="val 41476"/>
+            </a:avLst>
+          </a:prstGeom>
+          <a:solidFill>
+            <a:schemeClr val="tx1"/>
+          </a:solidFill>
+          <a:ln w="57150" cap="sq" cmpd="thinThick">
+            <a:gradFill>
+              <a:gsLst>
+                <a:gs pos="0">
+                  <a:schemeClr val="accent2"/>
+                </a:gs>
+                <a:gs pos="48000">
+                  <a:srgbClr val="FFC000"/>
+                </a:gs>
+                <a:gs pos="77000">
+                  <a:schemeClr val="accent4"/>
+                </a:gs>
+                <a:gs pos="100000">
+                  <a:schemeClr val="bg1"/>
+                </a:gs>
+              </a:gsLst>
+              <a:lin ang="12000000" scaled="0"/>
+            </a:gradFill>
+            <a:prstDash val="solid"/>
+            <a:miter lim="800000"/>
+          </a:ln>
+          <a:effectLst>
+            <a:glow rad="228600">
+              <a:schemeClr val="accent5">
+                <a:satMod val="175000"/>
+                <a:alpha val="38000"/>
+              </a:schemeClr>
+            </a:glow>
+          </a:effectLst>
+        </p:spPr>
+        <p:style>
+          <a:lnRef idx="2">
+            <a:schemeClr val="accent1">
+              <a:shade val="50000"/>
+            </a:schemeClr>
+          </a:lnRef>
+          <a:fillRef idx="1">
+            <a:schemeClr val="accent1"/>
+          </a:fillRef>
+          <a:effectRef idx="0">
+            <a:schemeClr val="accent1"/>
+          </a:effectRef>
+          <a:fontRef idx="minor">
+            <a:schemeClr val="lt1"/>
+          </a:fontRef>
+        </p:style>
+        <p:txBody>
+          <a:bodyPr rtlCol="0" anchor="ctr"/>
+          <a:lstStyle/>
+          <a:p>
+            <a:pPr algn="ctr"/>
+            <a:endParaRPr lang="zh-TW" altLang="en-US"/>
+          </a:p>
+        </p:txBody>
+      </p:sp>
+      <p:sp>
+        <p:nvSpPr>
+          <p:cNvPr id="62" name="矩形 61">
+            <a:extLst>
+              <a:ext uri="{FF2B5EF4-FFF2-40B4-BE49-F238E27FC236}">
+                <a16:creationId xmlns:a16="http://schemas.microsoft.com/office/drawing/2014/main" id="{37DCA13D-0131-E969-0A7E-59DDC390577F}"/>
+              </a:ext>
+            </a:extLst>
+          </p:cNvPr>
+          <p:cNvSpPr/>
+          <p:nvPr/>
+        </p:nvSpPr>
+        <p:spPr>
+          <a:xfrm>
+            <a:off x="10953750" y="4511040"/>
+            <a:ext cx="552449" cy="1804713"/>
+          </a:xfrm>
+          <a:prstGeom prst="rect">
+            <a:avLst/>
+          </a:prstGeom>
+          <a:solidFill>
+            <a:srgbClr val="C00000"/>
+          </a:solidFill>
+          <a:ln>
+            <a:noFill/>
+          </a:ln>
+        </p:spPr>
+        <p:style>
+          <a:lnRef idx="2">
+            <a:schemeClr val="accent1">
+              <a:shade val="50000"/>
+            </a:schemeClr>
+          </a:lnRef>
+          <a:fillRef idx="1">
+            <a:schemeClr val="accent1"/>
+          </a:fillRef>
+          <a:effectRef idx="0">
+            <a:schemeClr val="accent1"/>
+          </a:effectRef>
+          <a:fontRef idx="minor">
+            <a:schemeClr val="lt1"/>
+          </a:fontRef>
+        </p:style>
+        <p:txBody>
+          <a:bodyPr rtlCol="0" anchor="ctr"/>
+          <a:lstStyle/>
+          <a:p>
+            <a:pPr algn="ctr"/>
+            <a:endParaRPr lang="zh-TW" altLang="en-US"/>
+          </a:p>
+        </p:txBody>
+      </p:sp>
+      <p:sp>
+        <p:nvSpPr>
+          <p:cNvPr id="63" name="平行四邊形 62">
+            <a:extLst>
+              <a:ext uri="{FF2B5EF4-FFF2-40B4-BE49-F238E27FC236}">
+                <a16:creationId xmlns:a16="http://schemas.microsoft.com/office/drawing/2014/main" id="{0667D3B8-8515-33E7-B26F-4939B1935BFF}"/>
+              </a:ext>
+            </a:extLst>
+          </p:cNvPr>
+          <p:cNvSpPr/>
+          <p:nvPr/>
+        </p:nvSpPr>
+        <p:spPr>
+          <a:xfrm rot="16200000">
+            <a:off x="11089550" y="5079263"/>
+            <a:ext cx="280862" cy="552451"/>
+          </a:xfrm>
+          <a:prstGeom prst="parallelogram">
+            <a:avLst>
+              <a:gd name="adj" fmla="val 61964"/>
+            </a:avLst>
+          </a:prstGeom>
+          <a:solidFill>
+            <a:schemeClr val="tx1"/>
+          </a:solidFill>
+          <a:ln>
+            <a:noFill/>
+          </a:ln>
+        </p:spPr>
+        <p:style>
+          <a:lnRef idx="2">
+            <a:schemeClr val="accent1">
+              <a:shade val="50000"/>
+            </a:schemeClr>
+          </a:lnRef>
+          <a:fillRef idx="1">
+            <a:schemeClr val="accent1"/>
+          </a:fillRef>
+          <a:effectRef idx="0">
+            <a:schemeClr val="accent1"/>
+          </a:effectRef>
+          <a:fontRef idx="minor">
+            <a:schemeClr val="lt1"/>
+          </a:fontRef>
+        </p:style>
+        <p:txBody>
+          <a:bodyPr rtlCol="0" anchor="ctr"/>
+          <a:lstStyle/>
+          <a:p>
+            <a:pPr algn="ctr"/>
+            <a:endParaRPr lang="zh-TW" altLang="en-US"/>
+          </a:p>
+        </p:txBody>
+      </p:sp>
+      <p:sp>
+        <p:nvSpPr>
+          <p:cNvPr id="64" name="平行四邊形 63">
+            <a:extLst>
+              <a:ext uri="{FF2B5EF4-FFF2-40B4-BE49-F238E27FC236}">
+                <a16:creationId xmlns:a16="http://schemas.microsoft.com/office/drawing/2014/main" id="{CBE59DB0-E128-A90E-7D39-B805095E3B4A}"/>
+              </a:ext>
+            </a:extLst>
+          </p:cNvPr>
+          <p:cNvSpPr/>
+          <p:nvPr/>
+        </p:nvSpPr>
+        <p:spPr>
+          <a:xfrm rot="16200000">
+            <a:off x="11089553" y="5301521"/>
+            <a:ext cx="280862" cy="552451"/>
+          </a:xfrm>
+          <a:prstGeom prst="parallelogram">
+            <a:avLst>
+              <a:gd name="adj" fmla="val 61964"/>
+            </a:avLst>
+          </a:prstGeom>
+          <a:solidFill>
+            <a:schemeClr val="tx1"/>
+          </a:solidFill>
+          <a:ln>
+            <a:noFill/>
+          </a:ln>
+        </p:spPr>
+        <p:style>
+          <a:lnRef idx="2">
+            <a:schemeClr val="accent1">
+              <a:shade val="50000"/>
+            </a:schemeClr>
+          </a:lnRef>
+          <a:fillRef idx="1">
+            <a:schemeClr val="accent1"/>
+          </a:fillRef>
+          <a:effectRef idx="0">
+            <a:schemeClr val="accent1"/>
+          </a:effectRef>
+          <a:fontRef idx="minor">
+            <a:schemeClr val="lt1"/>
+          </a:fontRef>
+        </p:style>
+        <p:txBody>
+          <a:bodyPr rtlCol="0" anchor="ctr"/>
+          <a:lstStyle/>
+          <a:p>
+            <a:pPr algn="ctr"/>
+            <a:endParaRPr lang="zh-TW" altLang="en-US"/>
+          </a:p>
+        </p:txBody>
+      </p:sp>
+      <p:sp>
+        <p:nvSpPr>
+          <p:cNvPr id="65" name="平行四邊形 64">
+            <a:extLst>
+              <a:ext uri="{FF2B5EF4-FFF2-40B4-BE49-F238E27FC236}">
+                <a16:creationId xmlns:a16="http://schemas.microsoft.com/office/drawing/2014/main" id="{E14FE86F-4BC4-E6E5-8369-D8C1F481BC12}"/>
+              </a:ext>
+            </a:extLst>
+          </p:cNvPr>
+          <p:cNvSpPr/>
+          <p:nvPr/>
+        </p:nvSpPr>
+        <p:spPr>
+          <a:xfrm rot="16200000">
+            <a:off x="11089554" y="5525364"/>
+            <a:ext cx="280862" cy="552451"/>
+          </a:xfrm>
+          <a:prstGeom prst="parallelogram">
+            <a:avLst>
+              <a:gd name="adj" fmla="val 61964"/>
+            </a:avLst>
+          </a:prstGeom>
+          <a:solidFill>
+            <a:schemeClr val="tx1"/>
+          </a:solidFill>
+          <a:ln>
+            <a:noFill/>
+          </a:ln>
+        </p:spPr>
+        <p:style>
+          <a:lnRef idx="2">
+            <a:schemeClr val="accent1">
+              <a:shade val="50000"/>
+            </a:schemeClr>
+          </a:lnRef>
+          <a:fillRef idx="1">
+            <a:schemeClr val="accent1"/>
+          </a:fillRef>
+          <a:effectRef idx="0">
+            <a:schemeClr val="accent1"/>
+          </a:effectRef>
+          <a:fontRef idx="minor">
+            <a:schemeClr val="lt1"/>
+          </a:fontRef>
+        </p:style>
+        <p:txBody>
+          <a:bodyPr rtlCol="0" anchor="ctr"/>
+          <a:lstStyle/>
+          <a:p>
+            <a:pPr algn="ctr"/>
+            <a:endParaRPr lang="zh-TW" altLang="en-US"/>
+          </a:p>
+        </p:txBody>
+      </p:sp>
+      <p:sp>
+        <p:nvSpPr>
+          <p:cNvPr id="66" name="平行四邊形 65">
+            <a:extLst>
+              <a:ext uri="{FF2B5EF4-FFF2-40B4-BE49-F238E27FC236}">
+                <a16:creationId xmlns:a16="http://schemas.microsoft.com/office/drawing/2014/main" id="{786D0ECF-1165-DEBE-E8B5-8CA200663E71}"/>
+              </a:ext>
+            </a:extLst>
+          </p:cNvPr>
+          <p:cNvSpPr/>
+          <p:nvPr/>
+        </p:nvSpPr>
+        <p:spPr>
+          <a:xfrm rot="16200000">
+            <a:off x="11088961" y="5772819"/>
+            <a:ext cx="280862" cy="552451"/>
+          </a:xfrm>
+          <a:prstGeom prst="parallelogram">
+            <a:avLst>
+              <a:gd name="adj" fmla="val 61964"/>
+            </a:avLst>
+          </a:prstGeom>
+          <a:solidFill>
+            <a:schemeClr val="tx1"/>
+          </a:solidFill>
+          <a:ln>
+            <a:noFill/>
+          </a:ln>
+        </p:spPr>
+        <p:style>
+          <a:lnRef idx="2">
+            <a:schemeClr val="accent1">
+              <a:shade val="50000"/>
+            </a:schemeClr>
+          </a:lnRef>
+          <a:fillRef idx="1">
+            <a:schemeClr val="accent1"/>
+          </a:fillRef>
+          <a:effectRef idx="0">
+            <a:schemeClr val="accent1"/>
+          </a:effectRef>
+          <a:fontRef idx="minor">
+            <a:schemeClr val="lt1"/>
+          </a:fontRef>
+        </p:style>
+        <p:txBody>
+          <a:bodyPr rtlCol="0" anchor="ctr"/>
+          <a:lstStyle/>
+          <a:p>
+            <a:pPr algn="ctr"/>
+            <a:endParaRPr lang="zh-TW" altLang="en-US"/>
+          </a:p>
+        </p:txBody>
+      </p:sp>
+      <p:sp>
+        <p:nvSpPr>
+          <p:cNvPr id="70" name="平行四邊形 69">
+            <a:extLst>
+              <a:ext uri="{FF2B5EF4-FFF2-40B4-BE49-F238E27FC236}">
+                <a16:creationId xmlns:a16="http://schemas.microsoft.com/office/drawing/2014/main" id="{7E7E8312-3C9F-F5A5-1537-7BD8FE2EB864}"/>
+              </a:ext>
+            </a:extLst>
+          </p:cNvPr>
+          <p:cNvSpPr/>
+          <p:nvPr/>
+        </p:nvSpPr>
+        <p:spPr>
+          <a:xfrm rot="16200000">
+            <a:off x="11088956" y="4888836"/>
+            <a:ext cx="280862" cy="552451"/>
+          </a:xfrm>
+          <a:prstGeom prst="parallelogram">
+            <a:avLst>
+              <a:gd name="adj" fmla="val 61964"/>
+            </a:avLst>
+          </a:prstGeom>
+          <a:solidFill>
+            <a:schemeClr val="tx1"/>
+          </a:solidFill>
+          <a:ln>
+            <a:noFill/>
+          </a:ln>
+        </p:spPr>
+        <p:style>
+          <a:lnRef idx="2">
+            <a:schemeClr val="accent1">
+              <a:shade val="50000"/>
+            </a:schemeClr>
+          </a:lnRef>
+          <a:fillRef idx="1">
+            <a:schemeClr val="accent1"/>
+          </a:fillRef>
+          <a:effectRef idx="0">
+            <a:schemeClr val="accent1"/>
+          </a:effectRef>
+          <a:fontRef idx="minor">
+            <a:schemeClr val="lt1"/>
+          </a:fontRef>
+        </p:style>
+        <p:txBody>
+          <a:bodyPr rtlCol="0" anchor="ctr"/>
+          <a:lstStyle/>
+          <a:p>
+            <a:pPr algn="ctr"/>
+            <a:endParaRPr lang="zh-TW" altLang="en-US"/>
+          </a:p>
+        </p:txBody>
+      </p:sp>
+      <p:sp>
+        <p:nvSpPr>
+          <p:cNvPr id="68" name="矩形 67">
+            <a:extLst>
+              <a:ext uri="{FF2B5EF4-FFF2-40B4-BE49-F238E27FC236}">
+                <a16:creationId xmlns:a16="http://schemas.microsoft.com/office/drawing/2014/main" id="{E9CA0C04-9C68-BB94-E25D-1AFCEDD84F48}"/>
+              </a:ext>
+            </a:extLst>
+          </p:cNvPr>
+          <p:cNvSpPr/>
+          <p:nvPr/>
+        </p:nvSpPr>
+        <p:spPr>
+          <a:xfrm>
+            <a:off x="10953162" y="4985850"/>
+            <a:ext cx="552449" cy="252621"/>
+          </a:xfrm>
+          <a:prstGeom prst="rect">
+            <a:avLst/>
+          </a:prstGeom>
+          <a:solidFill>
+            <a:srgbClr val="C00000"/>
+          </a:solidFill>
+          <a:ln>
+            <a:noFill/>
+          </a:ln>
+        </p:spPr>
+        <p:style>
+          <a:lnRef idx="2">
+            <a:schemeClr val="accent1">
+              <a:shade val="50000"/>
+            </a:schemeClr>
+          </a:lnRef>
+          <a:fillRef idx="1">
+            <a:schemeClr val="accent1"/>
+          </a:fillRef>
+          <a:effectRef idx="0">
+            <a:schemeClr val="accent1"/>
+          </a:effectRef>
+          <a:fontRef idx="minor">
+            <a:schemeClr val="lt1"/>
+          </a:fontRef>
+        </p:style>
+        <p:txBody>
+          <a:bodyPr rtlCol="0" anchor="ctr"/>
+          <a:lstStyle/>
+          <a:p>
+            <a:pPr algn="ctr"/>
+            <a:endParaRPr lang="zh-TW" altLang="en-US"/>
+          </a:p>
+        </p:txBody>
+      </p:sp>
+      <p:sp>
+        <p:nvSpPr>
+          <p:cNvPr id="53" name="文字方塊 52">
+            <a:extLst>
+              <a:ext uri="{FF2B5EF4-FFF2-40B4-BE49-F238E27FC236}">
+                <a16:creationId xmlns:a16="http://schemas.microsoft.com/office/drawing/2014/main" id="{0C857BA8-430C-6878-F674-2656BDD6DB36}"/>
+              </a:ext>
+            </a:extLst>
+          </p:cNvPr>
+          <p:cNvSpPr txBox="1"/>
+          <p:nvPr/>
+        </p:nvSpPr>
+        <p:spPr>
+          <a:xfrm>
+            <a:off x="10985641" y="4150478"/>
+            <a:ext cx="461665" cy="1030237"/>
+          </a:xfrm>
+          <a:prstGeom prst="rect">
+            <a:avLst/>
+          </a:prstGeom>
+          <a:noFill/>
+        </p:spPr>
+        <p:txBody>
+          <a:bodyPr vert="eaVert" wrap="square">
+            <a:spAutoFit/>
+          </a:bodyPr>
+          <a:lstStyle/>
+          <a:p>
+            <a:pPr algn="dist"/>
+            <a:r>
+              <a:rPr lang="zh-TW" altLang="en-US" dirty="0">
+                <a:solidFill>
+                  <a:srgbClr val="C00000"/>
+                </a:solidFill>
+                <a:latin typeface="FOT-Matisse Pro B" panose="02020800000000000000" pitchFamily="18" charset="-128"/>
+                <a:ea typeface="FOT-Matisse Pro B" panose="02020800000000000000" pitchFamily="18" charset="-128"/>
+              </a:rPr>
+              <a:t>●</a:t>
+            </a:r>
+            <a:r>
+              <a:rPr lang="zh-TW" altLang="en-US" dirty="0">
+                <a:latin typeface="FOT-Matisse Pro B" panose="02020800000000000000" pitchFamily="18" charset="-128"/>
+                <a:ea typeface="FOT-Matisse Pro B" panose="02020800000000000000" pitchFamily="18" charset="-128"/>
+              </a:rPr>
+              <a:t>登出</a:t>
+            </a:r>
+            <a:endParaRPr lang="zh-TW" altLang="en-US" dirty="0"/>
+          </a:p>
+        </p:txBody>
+      </p:sp>
+      <p:sp>
+        <p:nvSpPr>
+          <p:cNvPr id="69" name="對角線條紋 68">
+            <a:extLst>
+              <a:ext uri="{FF2B5EF4-FFF2-40B4-BE49-F238E27FC236}">
+                <a16:creationId xmlns:a16="http://schemas.microsoft.com/office/drawing/2014/main" id="{7373B333-50D6-5DD3-5543-5BDE60721950}"/>
+              </a:ext>
+            </a:extLst>
+          </p:cNvPr>
+          <p:cNvSpPr/>
+          <p:nvPr/>
+        </p:nvSpPr>
+        <p:spPr>
+          <a:xfrm flipV="1">
+            <a:off x="10955040" y="6140865"/>
+            <a:ext cx="525760" cy="173211"/>
+          </a:xfrm>
+          <a:prstGeom prst="diagStripe">
+            <a:avLst>
+              <a:gd name="adj" fmla="val 43302"/>
+            </a:avLst>
+          </a:prstGeom>
+          <a:solidFill>
+            <a:schemeClr val="tx1"/>
+          </a:solidFill>
+          <a:ln>
+            <a:noFill/>
+          </a:ln>
+        </p:spPr>
+        <p:style>
+          <a:lnRef idx="2">
+            <a:schemeClr val="accent1">
+              <a:shade val="50000"/>
+            </a:schemeClr>
+          </a:lnRef>
+          <a:fillRef idx="1">
+            <a:schemeClr val="accent1"/>
+          </a:fillRef>
+          <a:effectRef idx="0">
+            <a:schemeClr val="accent1"/>
+          </a:effectRef>
+          <a:fontRef idx="minor">
+            <a:schemeClr val="lt1"/>
+          </a:fontRef>
+        </p:style>
+        <p:txBody>
+          <a:bodyPr rtlCol="0" anchor="ctr"/>
+          <a:lstStyle/>
+          <a:p>
+            <a:pPr algn="ctr"/>
+            <a:endParaRPr lang="zh-TW" altLang="en-US">
+              <a:solidFill>
+                <a:schemeClr val="tx1"/>
+              </a:solidFill>
+            </a:endParaRPr>
+          </a:p>
+        </p:txBody>
+      </p:sp>
+    </p:spTree>
+    <p:extLst>
+      <p:ext uri="{BB962C8B-B14F-4D97-AF65-F5344CB8AC3E}">
+        <p14:creationId xmlns:p14="http://schemas.microsoft.com/office/powerpoint/2010/main" val="364592141"/>
+      </p:ext>
+    </p:extLst>
+  </p:cSld>
+  <p:clrMapOvr>
+    <a:masterClrMapping/>
+  </p:clrMapOvr>
+</p:sld>
+</file>
+
+<file path=ppt/slides/slide4.xml><?xml version="1.0" encoding="utf-8"?>
+<p:sld xmlns:a="http://schemas.openxmlformats.org/drawingml/2006/main" xmlns:r="http://schemas.openxmlformats.org/officeDocument/2006/relationships" xmlns:p="http://schemas.openxmlformats.org/presentationml/2006/main">
+  <p:cSld>
+    <p:spTree>
+      <p:nvGrpSpPr>
+        <p:cNvPr id="1" name=""/>
+        <p:cNvGrpSpPr/>
+        <p:nvPr/>
+      </p:nvGrpSpPr>
+      <p:grpSpPr>
+        <a:xfrm>
+          <a:off x="0" y="0"/>
+          <a:ext cx="0" cy="0"/>
+          <a:chOff x="0" y="0"/>
+          <a:chExt cx="0" cy="0"/>
+        </a:xfrm>
+      </p:grpSpPr>
+      <p:sp>
+        <p:nvSpPr>
+          <p:cNvPr id="2" name="矩形: 剪去同側角落 1">
+            <a:extLst>
+              <a:ext uri="{FF2B5EF4-FFF2-40B4-BE49-F238E27FC236}">
+                <a16:creationId xmlns:a16="http://schemas.microsoft.com/office/drawing/2014/main" id="{950182C4-1173-A155-D240-C104B3818465}"/>
+              </a:ext>
+            </a:extLst>
+          </p:cNvPr>
+          <p:cNvSpPr/>
+          <p:nvPr/>
+        </p:nvSpPr>
+        <p:spPr>
+          <a:xfrm flipH="1">
+            <a:off x="5273817" y="3593306"/>
+            <a:ext cx="478456" cy="445293"/>
+          </a:xfrm>
+          <a:prstGeom prst="snip2SameRect">
+            <a:avLst/>
+          </a:prstGeom>
+          <a:noFill/>
+          <a:ln w="28575">
+            <a:gradFill flip="none" rotWithShape="1">
+              <a:gsLst>
+                <a:gs pos="0">
+                  <a:schemeClr val="accent4"/>
+                </a:gs>
+                <a:gs pos="100000">
+                  <a:schemeClr val="accent4">
+                    <a:lumMod val="40000"/>
+                    <a:lumOff val="60000"/>
+                  </a:schemeClr>
+                </a:gs>
+              </a:gsLst>
+              <a:lin ang="5400000" scaled="1"/>
+              <a:tileRect/>
+            </a:gradFill>
+            <a:prstDash val="solid"/>
+          </a:ln>
+          <a:effectLst>
+            <a:glow rad="139700">
+              <a:schemeClr val="accent2">
+                <a:satMod val="175000"/>
+                <a:alpha val="40000"/>
+              </a:schemeClr>
+            </a:glow>
+          </a:effectLst>
+        </p:spPr>
+        <p:style>
+          <a:lnRef idx="2">
+            <a:schemeClr val="accent1">
+              <a:shade val="50000"/>
+            </a:schemeClr>
+          </a:lnRef>
+          <a:fillRef idx="1">
+            <a:schemeClr val="accent1"/>
+          </a:fillRef>
+          <a:effectRef idx="0">
+            <a:schemeClr val="accent1"/>
+          </a:effectRef>
+          <a:fontRef idx="minor">
+            <a:schemeClr val="lt1"/>
+          </a:fontRef>
+        </p:style>
+        <p:txBody>
+          <a:bodyPr rtlCol="0" anchor="ctr"/>
+          <a:lstStyle/>
+          <a:p>
+            <a:pPr algn="dist"/>
+            <a:endParaRPr lang="en-US" altLang="zh-TW" b="1" dirty="0">
+              <a:latin typeface="Adobe 明體 Std L" panose="02020300000000000000" pitchFamily="18" charset="-120"/>
+              <a:ea typeface="Adobe 明體 Std L" panose="02020300000000000000" pitchFamily="18" charset="-120"/>
+            </a:endParaRPr>
+          </a:p>
+        </p:txBody>
+      </p:sp>
+      <p:sp>
+        <p:nvSpPr>
+          <p:cNvPr id="3" name="矩形: 剪去並圓角化單一角落 2">
+            <a:extLst>
+              <a:ext uri="{FF2B5EF4-FFF2-40B4-BE49-F238E27FC236}">
+                <a16:creationId xmlns:a16="http://schemas.microsoft.com/office/drawing/2014/main" id="{18A89CF9-0DD4-7365-0CD9-1E62F786AA92}"/>
+              </a:ext>
+            </a:extLst>
+          </p:cNvPr>
+          <p:cNvSpPr/>
+          <p:nvPr/>
+        </p:nvSpPr>
+        <p:spPr>
+          <a:xfrm>
+            <a:off x="1945967" y="2579915"/>
+            <a:ext cx="612321" cy="849085"/>
+          </a:xfrm>
+          <a:prstGeom prst="snipRoundRect">
+            <a:avLst>
+              <a:gd name="adj1" fmla="val 10000"/>
+              <a:gd name="adj2" fmla="val 30000"/>
+            </a:avLst>
+          </a:prstGeom>
+          <a:noFill/>
+          <a:ln w="28575">
+            <a:gradFill flip="none" rotWithShape="1">
+              <a:gsLst>
+                <a:gs pos="0">
+                  <a:schemeClr val="accent2"/>
+                </a:gs>
+                <a:gs pos="100000">
+                  <a:schemeClr val="accent2">
+                    <a:lumMod val="40000"/>
+                    <a:lumOff val="60000"/>
+                  </a:schemeClr>
+                </a:gs>
+              </a:gsLst>
+              <a:lin ang="5400000" scaled="1"/>
+              <a:tileRect/>
+            </a:gradFill>
+            <a:prstDash val="solid"/>
+          </a:ln>
+          <a:effectLst>
+            <a:glow rad="139700">
+              <a:schemeClr val="accent2">
+                <a:satMod val="175000"/>
+                <a:alpha val="40000"/>
+              </a:schemeClr>
+            </a:glow>
+          </a:effectLst>
+        </p:spPr>
+        <p:style>
+          <a:lnRef idx="2">
+            <a:schemeClr val="accent1">
+              <a:shade val="50000"/>
+            </a:schemeClr>
+          </a:lnRef>
+          <a:fillRef idx="1">
+            <a:schemeClr val="accent1"/>
+          </a:fillRef>
+          <a:effectRef idx="0">
+            <a:schemeClr val="accent1"/>
+          </a:effectRef>
+          <a:fontRef idx="minor">
+            <a:schemeClr val="lt1"/>
+          </a:fontRef>
+        </p:style>
+        <p:txBody>
+          <a:bodyPr rtlCol="0" anchor="ctr"/>
+          <a:lstStyle/>
+          <a:p>
+            <a:pPr algn="dist"/>
+            <a:endParaRPr lang="en-US" altLang="zh-TW" b="1" dirty="0">
+              <a:latin typeface="Adobe 明體 Std L" panose="02020300000000000000" pitchFamily="18" charset="-120"/>
+              <a:ea typeface="Adobe 明體 Std L" panose="02020300000000000000" pitchFamily="18" charset="-120"/>
+            </a:endParaRPr>
+          </a:p>
+        </p:txBody>
+      </p:sp>
+      <p:sp>
+        <p:nvSpPr>
+          <p:cNvPr id="4" name="矩形: 圓角 3">
+            <a:extLst>
+              <a:ext uri="{FF2B5EF4-FFF2-40B4-BE49-F238E27FC236}">
+                <a16:creationId xmlns:a16="http://schemas.microsoft.com/office/drawing/2014/main" id="{3AADA10B-F1F6-C3AF-1444-082AA6D06D17}"/>
+              </a:ext>
+            </a:extLst>
+          </p:cNvPr>
+          <p:cNvSpPr/>
+          <p:nvPr/>
+        </p:nvSpPr>
+        <p:spPr>
+          <a:xfrm>
+            <a:off x="1850547" y="3017155"/>
+            <a:ext cx="585471" cy="272145"/>
+          </a:xfrm>
+          <a:prstGeom prst="roundRect">
+            <a:avLst/>
+          </a:prstGeom>
+          <a:solidFill>
+            <a:schemeClr val="tx1"/>
+          </a:solidFill>
+          <a:ln w="28575">
+            <a:gradFill>
+              <a:gsLst>
+                <a:gs pos="0">
+                  <a:schemeClr val="accent2"/>
+                </a:gs>
+                <a:gs pos="74000">
+                  <a:schemeClr val="accent2">
+                    <a:lumMod val="40000"/>
+                    <a:lumOff val="60000"/>
+                  </a:schemeClr>
+                </a:gs>
+                <a:gs pos="100000">
+                  <a:schemeClr val="bg1"/>
+                </a:gs>
+              </a:gsLst>
+              <a:lin ang="0" scaled="0"/>
+            </a:gradFill>
+          </a:ln>
+          <a:effectLst>
+            <a:glow rad="63500">
+              <a:schemeClr val="accent2">
+                <a:satMod val="175000"/>
+                <a:alpha val="40000"/>
+              </a:schemeClr>
+            </a:glow>
+          </a:effectLst>
+        </p:spPr>
+        <p:style>
+          <a:lnRef idx="2">
+            <a:schemeClr val="accent1">
+              <a:shade val="50000"/>
+            </a:schemeClr>
+          </a:lnRef>
+          <a:fillRef idx="1">
+            <a:schemeClr val="accent1"/>
+          </a:fillRef>
+          <a:effectRef idx="0">
+            <a:schemeClr val="accent1"/>
+          </a:effectRef>
+          <a:fontRef idx="minor">
+            <a:schemeClr val="lt1"/>
+          </a:fontRef>
+        </p:style>
+        <p:txBody>
+          <a:bodyPr rtlCol="0" anchor="ctr"/>
+          <a:lstStyle/>
+          <a:p>
+            <a:pPr algn="dist"/>
+            <a:r>
+              <a:rPr lang="en-US" altLang="zh-TW" sz="1100" dirty="0">
+                <a:latin typeface="Adobe 黑体 Std R" panose="020B0400000000000000" pitchFamily="34" charset="-128"/>
+                <a:ea typeface="Adobe 黑体 Std R" panose="020B0400000000000000" pitchFamily="34" charset="-128"/>
+              </a:rPr>
+              <a:t>FILE</a:t>
+            </a:r>
+            <a:endParaRPr lang="zh-TW" altLang="en-US" sz="1100" dirty="0">
+              <a:latin typeface="Adobe 黑体 Std R" panose="020B0400000000000000" pitchFamily="34" charset="-128"/>
+              <a:ea typeface="Adobe 黑体 Std R" panose="020B0400000000000000" pitchFamily="34" charset="-128"/>
+            </a:endParaRPr>
+          </a:p>
+        </p:txBody>
+      </p:sp>
+      <p:sp>
+        <p:nvSpPr>
+          <p:cNvPr id="5" name="平行四邊形 4">
+            <a:extLst>
+              <a:ext uri="{FF2B5EF4-FFF2-40B4-BE49-F238E27FC236}">
+                <a16:creationId xmlns:a16="http://schemas.microsoft.com/office/drawing/2014/main" id="{56FBE9EB-5931-91BB-7DD8-DCD94A7662B8}"/>
+              </a:ext>
+            </a:extLst>
+          </p:cNvPr>
+          <p:cNvSpPr/>
+          <p:nvPr/>
+        </p:nvSpPr>
+        <p:spPr>
+          <a:xfrm flipH="1">
+            <a:off x="5139951" y="3671545"/>
+            <a:ext cx="612321" cy="367053"/>
+          </a:xfrm>
+          <a:prstGeom prst="parallelogram">
+            <a:avLst/>
+          </a:prstGeom>
+          <a:solidFill>
+            <a:schemeClr val="tx1"/>
+          </a:solidFill>
+          <a:ln w="28575">
+            <a:gradFill flip="none" rotWithShape="1">
+              <a:gsLst>
+                <a:gs pos="0">
+                  <a:schemeClr val="accent4"/>
+                </a:gs>
+                <a:gs pos="100000">
+                  <a:schemeClr val="accent4">
+                    <a:lumMod val="40000"/>
+                    <a:lumOff val="60000"/>
+                  </a:schemeClr>
+                </a:gs>
+              </a:gsLst>
+              <a:lin ang="5400000" scaled="1"/>
+              <a:tileRect/>
+            </a:gradFill>
+            <a:prstDash val="solid"/>
+          </a:ln>
+          <a:effectLst>
+            <a:glow rad="139700">
+              <a:schemeClr val="accent2">
+                <a:satMod val="175000"/>
+                <a:alpha val="40000"/>
+              </a:schemeClr>
+            </a:glow>
+          </a:effectLst>
+        </p:spPr>
+        <p:style>
+          <a:lnRef idx="2">
+            <a:schemeClr val="accent1">
+              <a:shade val="50000"/>
+            </a:schemeClr>
+          </a:lnRef>
+          <a:fillRef idx="1">
+            <a:schemeClr val="accent1"/>
+          </a:fillRef>
+          <a:effectRef idx="0">
+            <a:schemeClr val="accent1"/>
+          </a:effectRef>
+          <a:fontRef idx="minor">
+            <a:schemeClr val="lt1"/>
+          </a:fontRef>
+        </p:style>
+        <p:txBody>
+          <a:bodyPr rtlCol="0" anchor="ctr"/>
+          <a:lstStyle/>
+          <a:p>
+            <a:pPr algn="dist"/>
+            <a:endParaRPr lang="en-US" altLang="zh-TW" b="1" dirty="0">
+              <a:latin typeface="Adobe 明體 Std L" panose="02020300000000000000" pitchFamily="18" charset="-120"/>
+              <a:ea typeface="Adobe 明體 Std L" panose="02020300000000000000" pitchFamily="18" charset="-120"/>
+            </a:endParaRPr>
+          </a:p>
+        </p:txBody>
+      </p:sp>
+      <p:sp>
+        <p:nvSpPr>
+          <p:cNvPr id="6" name="矩形: 圓角 5">
+            <a:extLst>
+              <a:ext uri="{FF2B5EF4-FFF2-40B4-BE49-F238E27FC236}">
+                <a16:creationId xmlns:a16="http://schemas.microsoft.com/office/drawing/2014/main" id="{DF217222-195D-7ACE-4574-81130B7B16F8}"/>
+              </a:ext>
+            </a:extLst>
+          </p:cNvPr>
+          <p:cNvSpPr/>
+          <p:nvPr/>
+        </p:nvSpPr>
+        <p:spPr>
+          <a:xfrm>
+            <a:off x="5004343" y="3739496"/>
+            <a:ext cx="585471" cy="231149"/>
+          </a:xfrm>
+          <a:prstGeom prst="roundRect">
+            <a:avLst/>
+          </a:prstGeom>
+          <a:solidFill>
+            <a:schemeClr val="tx1"/>
+          </a:solidFill>
+          <a:ln w="28575">
+            <a:gradFill>
+              <a:gsLst>
+                <a:gs pos="0">
+                  <a:schemeClr val="accent4"/>
+                </a:gs>
+                <a:gs pos="74000">
+                  <a:schemeClr val="accent4">
+                    <a:lumMod val="40000"/>
+                    <a:lumOff val="60000"/>
+                  </a:schemeClr>
+                </a:gs>
+                <a:gs pos="100000">
+                  <a:schemeClr val="bg1"/>
+                </a:gs>
+              </a:gsLst>
+              <a:lin ang="0" scaled="0"/>
+            </a:gradFill>
+          </a:ln>
+          <a:effectLst>
+            <a:glow rad="63500">
+              <a:schemeClr val="accent2">
+                <a:satMod val="175000"/>
+                <a:alpha val="40000"/>
+              </a:schemeClr>
+            </a:glow>
+          </a:effectLst>
+        </p:spPr>
+        <p:style>
+          <a:lnRef idx="2">
+            <a:schemeClr val="accent1">
+              <a:shade val="50000"/>
+            </a:schemeClr>
+          </a:lnRef>
+          <a:fillRef idx="1">
+            <a:schemeClr val="accent1"/>
+          </a:fillRef>
+          <a:effectRef idx="0">
+            <a:schemeClr val="accent1"/>
+          </a:effectRef>
+          <a:fontRef idx="minor">
+            <a:schemeClr val="lt1"/>
+          </a:fontRef>
+        </p:style>
+        <p:txBody>
+          <a:bodyPr rtlCol="0" anchor="ctr"/>
+          <a:lstStyle/>
+          <a:p>
+            <a:pPr algn="dist"/>
+            <a:r>
+              <a:rPr lang="en-US" altLang="zh-TW" sz="1100" dirty="0">
+                <a:latin typeface="Adobe 黑体 Std R" panose="020B0400000000000000" pitchFamily="34" charset="-128"/>
+                <a:ea typeface="Adobe 黑体 Std R" panose="020B0400000000000000" pitchFamily="34" charset="-128"/>
+              </a:rPr>
+              <a:t>DIR</a:t>
+            </a:r>
+            <a:endParaRPr lang="zh-TW" altLang="en-US" sz="1100" dirty="0">
+              <a:latin typeface="Adobe 黑体 Std R" panose="020B0400000000000000" pitchFamily="34" charset="-128"/>
+              <a:ea typeface="Adobe 黑体 Std R" panose="020B0400000000000000" pitchFamily="34" charset="-128"/>
+            </a:endParaRPr>
+          </a:p>
+        </p:txBody>
+      </p:sp>
+    </p:spTree>
+    <p:extLst>
+      <p:ext uri="{BB962C8B-B14F-4D97-AF65-F5344CB8AC3E}">
+        <p14:creationId xmlns:p14="http://schemas.microsoft.com/office/powerpoint/2010/main" val="3736163836"/>
+      </p:ext>
+    </p:extLst>
+  </p:cSld>
+  <p:clrMapOvr>
+    <a:masterClrMapping/>
+  </p:clrMapOvr>
+</p:sld>
+</file>
+
+<file path=ppt/slides/slide5.xml><?xml version="1.0" encoding="utf-8"?>
+<p:sld xmlns:a="http://schemas.openxmlformats.org/drawingml/2006/main" xmlns:r="http://schemas.openxmlformats.org/officeDocument/2006/relationships" xmlns:p="http://schemas.openxmlformats.org/presentationml/2006/main">
+  <p:cSld>
+    <p:spTree>
+      <p:nvGrpSpPr>
+        <p:cNvPr id="1" name=""/>
+        <p:cNvGrpSpPr/>
+        <p:nvPr/>
+      </p:nvGrpSpPr>
+      <p:grpSpPr>
+        <a:xfrm>
+          <a:off x="0" y="0"/>
+          <a:ext cx="0" cy="0"/>
+          <a:chOff x="0" y="0"/>
+          <a:chExt cx="0" cy="0"/>
+        </a:xfrm>
+      </p:grpSpPr>
+      <p:sp>
+        <p:nvSpPr>
+          <p:cNvPr id="8" name="矩形: 剪去單一角落 7">
+            <a:extLst>
+              <a:ext uri="{FF2B5EF4-FFF2-40B4-BE49-F238E27FC236}">
+                <a16:creationId xmlns:a16="http://schemas.microsoft.com/office/drawing/2014/main" id="{54F46217-722E-E433-C3EA-41B65D580AAE}"/>
+              </a:ext>
+            </a:extLst>
+          </p:cNvPr>
+          <p:cNvSpPr/>
+          <p:nvPr/>
+        </p:nvSpPr>
+        <p:spPr>
+          <a:xfrm flipV="1">
+            <a:off x="5380208" y="2024524"/>
+            <a:ext cx="5448390" cy="3494752"/>
+          </a:xfrm>
+          <a:prstGeom prst="snip1Rect">
+            <a:avLst>
+              <a:gd name="adj" fmla="val 42791"/>
+            </a:avLst>
+          </a:prstGeom>
+          <a:noFill/>
+          <a:ln w="38100">
+            <a:solidFill>
+              <a:schemeClr val="accent2"/>
+            </a:solidFill>
+          </a:ln>
+          <a:effectLst>
+            <a:glow rad="139700">
+              <a:schemeClr val="accent2">
+                <a:satMod val="175000"/>
+                <a:alpha val="40000"/>
+              </a:schemeClr>
+            </a:glow>
+          </a:effectLst>
+        </p:spPr>
+        <p:style>
+          <a:lnRef idx="2">
+            <a:schemeClr val="accent1">
+              <a:shade val="50000"/>
+            </a:schemeClr>
+          </a:lnRef>
+          <a:fillRef idx="1">
+            <a:schemeClr val="accent1"/>
+          </a:fillRef>
+          <a:effectRef idx="0">
+            <a:schemeClr val="accent1"/>
+          </a:effectRef>
+          <a:fontRef idx="minor">
+            <a:schemeClr val="lt1"/>
+          </a:fontRef>
+        </p:style>
+        <p:txBody>
+          <a:bodyPr rtlCol="0" anchor="ctr"/>
+          <a:lstStyle/>
+          <a:p>
+            <a:pPr algn="ctr"/>
+            <a:endParaRPr lang="zh-TW" altLang="en-US"/>
+          </a:p>
+        </p:txBody>
+      </p:sp>
+      <p:sp>
+        <p:nvSpPr>
+          <p:cNvPr id="9" name="矩形 8">
+            <a:extLst>
+              <a:ext uri="{FF2B5EF4-FFF2-40B4-BE49-F238E27FC236}">
+                <a16:creationId xmlns:a16="http://schemas.microsoft.com/office/drawing/2014/main" id="{4FA12254-0230-DA30-B246-16AD96A2C6D4}"/>
+              </a:ext>
+            </a:extLst>
+          </p:cNvPr>
+          <p:cNvSpPr/>
+          <p:nvPr/>
+        </p:nvSpPr>
+        <p:spPr>
+          <a:xfrm>
+            <a:off x="9538863" y="2353719"/>
+            <a:ext cx="1091439" cy="475402"/>
+          </a:xfrm>
+          <a:prstGeom prst="rect">
+            <a:avLst/>
+          </a:prstGeom>
+          <a:solidFill>
+            <a:schemeClr val="tx1">
+              <a:lumMod val="85000"/>
+              <a:lumOff val="15000"/>
+            </a:schemeClr>
+          </a:solidFill>
+          <a:ln w="28575" cmpd="sng">
+            <a:solidFill>
+              <a:srgbClr val="C00000"/>
+            </a:solidFill>
+          </a:ln>
+        </p:spPr>
+        <p:style>
+          <a:lnRef idx="2">
+            <a:schemeClr val="accent1">
+              <a:shade val="50000"/>
+            </a:schemeClr>
+          </a:lnRef>
+          <a:fillRef idx="1">
+            <a:schemeClr val="accent1"/>
+          </a:fillRef>
+          <a:effectRef idx="0">
+            <a:schemeClr val="accent1"/>
+          </a:effectRef>
+          <a:fontRef idx="minor">
+            <a:schemeClr val="lt1"/>
+          </a:fontRef>
+        </p:style>
+        <p:txBody>
+          <a:bodyPr rtlCol="0" anchor="b"/>
+          <a:lstStyle/>
+          <a:p>
+            <a:pPr algn="dist"/>
+            <a:r>
+              <a:rPr lang="zh-TW" altLang="en-US" dirty="0">
+                <a:solidFill>
+                  <a:srgbClr val="C00000"/>
+                </a:solidFill>
+                <a:latin typeface="FOT-Matisse Pro B" panose="02020800000000000000" pitchFamily="18" charset="-128"/>
+                <a:ea typeface="FOT-Matisse Pro B" panose="02020800000000000000" pitchFamily="18" charset="-128"/>
+              </a:rPr>
+              <a:t>關閉</a:t>
+            </a:r>
+            <a:endParaRPr lang="en-US" altLang="zh-TW" dirty="0">
+              <a:solidFill>
+                <a:srgbClr val="C00000"/>
+              </a:solidFill>
+              <a:latin typeface="FOT-Matisse Pro B" panose="02020800000000000000" pitchFamily="18" charset="-128"/>
+              <a:ea typeface="FOT-Matisse Pro B" panose="02020800000000000000" pitchFamily="18" charset="-128"/>
+            </a:endParaRPr>
+          </a:p>
+          <a:p>
+            <a:pPr algn="dist"/>
+            <a:r>
+              <a:rPr lang="en-US" altLang="zh-TW" sz="800" dirty="0">
+                <a:solidFill>
+                  <a:srgbClr val="C00000"/>
+                </a:solidFill>
+                <a:latin typeface="FOT-Matisse Pro B" panose="02020800000000000000" pitchFamily="18" charset="-128"/>
+                <a:ea typeface="FOT-Matisse Pro B" panose="02020800000000000000" pitchFamily="18" charset="-128"/>
+              </a:rPr>
+              <a:t>CLOSE</a:t>
+            </a:r>
+            <a:endParaRPr lang="zh-TW" altLang="en-US" sz="800" dirty="0">
+              <a:solidFill>
+                <a:srgbClr val="C00000"/>
+              </a:solidFill>
+              <a:latin typeface="FOT-Matisse Pro B" panose="02020800000000000000" pitchFamily="18" charset="-128"/>
+              <a:ea typeface="FOT-Matisse Pro B" panose="02020800000000000000" pitchFamily="18" charset="-128"/>
+            </a:endParaRPr>
+          </a:p>
+        </p:txBody>
+      </p:sp>
+      <p:sp>
+        <p:nvSpPr>
+          <p:cNvPr id="10" name="矩形 9">
+            <a:extLst>
+              <a:ext uri="{FF2B5EF4-FFF2-40B4-BE49-F238E27FC236}">
+                <a16:creationId xmlns:a16="http://schemas.microsoft.com/office/drawing/2014/main" id="{267CF716-5D4E-88BC-9F42-AE2E8CD32C06}"/>
+              </a:ext>
+            </a:extLst>
+          </p:cNvPr>
+          <p:cNvSpPr/>
+          <p:nvPr/>
+        </p:nvSpPr>
+        <p:spPr>
+          <a:xfrm>
+            <a:off x="9227538" y="2353719"/>
+            <a:ext cx="296356" cy="475402"/>
+          </a:xfrm>
+          <a:prstGeom prst="rect">
+            <a:avLst/>
+          </a:prstGeom>
+          <a:solidFill>
+            <a:srgbClr val="C00000"/>
+          </a:solidFill>
+          <a:ln w="28575">
+            <a:solidFill>
+              <a:srgbClr val="C00000"/>
+            </a:solidFill>
+          </a:ln>
+        </p:spPr>
+        <p:style>
+          <a:lnRef idx="2">
+            <a:schemeClr val="accent1">
+              <a:shade val="50000"/>
+            </a:schemeClr>
+          </a:lnRef>
+          <a:fillRef idx="1">
+            <a:schemeClr val="accent1"/>
+          </a:fillRef>
+          <a:effectRef idx="0">
+            <a:schemeClr val="accent1"/>
+          </a:effectRef>
+          <a:fontRef idx="minor">
+            <a:schemeClr val="lt1"/>
+          </a:fontRef>
+        </p:style>
+        <p:txBody>
+          <a:bodyPr rtlCol="0" anchor="ctr"/>
+          <a:lstStyle/>
+          <a:p>
+            <a:pPr algn="ctr"/>
+            <a:endParaRPr lang="zh-TW" altLang="en-US"/>
+          </a:p>
+        </p:txBody>
+      </p:sp>
+      <p:sp>
+        <p:nvSpPr>
+          <p:cNvPr id="11" name="平行四邊形 10">
+            <a:extLst>
+              <a:ext uri="{FF2B5EF4-FFF2-40B4-BE49-F238E27FC236}">
+                <a16:creationId xmlns:a16="http://schemas.microsoft.com/office/drawing/2014/main" id="{E19A7485-FE17-423C-D0C0-31D355D8DAE4}"/>
+              </a:ext>
+            </a:extLst>
+          </p:cNvPr>
+          <p:cNvSpPr/>
+          <p:nvPr/>
+        </p:nvSpPr>
+        <p:spPr>
+          <a:xfrm rot="16200000">
+            <a:off x="9288953" y="2247750"/>
+            <a:ext cx="195630" cy="318457"/>
+          </a:xfrm>
+          <a:prstGeom prst="parallelogram">
+            <a:avLst>
+              <a:gd name="adj" fmla="val 65168"/>
+            </a:avLst>
+          </a:prstGeom>
+          <a:solidFill>
+            <a:schemeClr val="tx1"/>
+          </a:solidFill>
+          <a:ln w="28575">
+            <a:solidFill>
+              <a:schemeClr val="tx1"/>
+            </a:solidFill>
+          </a:ln>
+        </p:spPr>
+        <p:style>
+          <a:lnRef idx="2">
+            <a:schemeClr val="accent1">
+              <a:shade val="50000"/>
+            </a:schemeClr>
+          </a:lnRef>
+          <a:fillRef idx="1">
+            <a:schemeClr val="accent1"/>
+          </a:fillRef>
+          <a:effectRef idx="0">
+            <a:schemeClr val="accent1"/>
+          </a:effectRef>
+          <a:fontRef idx="minor">
+            <a:schemeClr val="lt1"/>
+          </a:fontRef>
+        </p:style>
+        <p:txBody>
+          <a:bodyPr rtlCol="0" anchor="ctr"/>
+          <a:lstStyle/>
+          <a:p>
+            <a:pPr algn="ctr"/>
+            <a:endParaRPr lang="zh-TW" altLang="en-US"/>
+          </a:p>
+        </p:txBody>
+      </p:sp>
+      <p:sp>
+        <p:nvSpPr>
+          <p:cNvPr id="12" name="平行四邊形 11">
+            <a:extLst>
+              <a:ext uri="{FF2B5EF4-FFF2-40B4-BE49-F238E27FC236}">
+                <a16:creationId xmlns:a16="http://schemas.microsoft.com/office/drawing/2014/main" id="{3480A49C-13F5-38E9-0AAA-E93C0ED3F5D0}"/>
+              </a:ext>
+            </a:extLst>
+          </p:cNvPr>
+          <p:cNvSpPr/>
+          <p:nvPr/>
+        </p:nvSpPr>
+        <p:spPr>
+          <a:xfrm rot="16200000">
+            <a:off x="9281820" y="2436086"/>
+            <a:ext cx="195630" cy="318457"/>
+          </a:xfrm>
+          <a:prstGeom prst="parallelogram">
+            <a:avLst>
+              <a:gd name="adj" fmla="val 65168"/>
+            </a:avLst>
+          </a:prstGeom>
+          <a:solidFill>
+            <a:schemeClr val="tx1"/>
+          </a:solidFill>
+          <a:ln w="28575">
+            <a:solidFill>
+              <a:schemeClr val="tx1"/>
+            </a:solidFill>
+          </a:ln>
+        </p:spPr>
+        <p:style>
+          <a:lnRef idx="2">
+            <a:schemeClr val="accent1">
+              <a:shade val="50000"/>
+            </a:schemeClr>
+          </a:lnRef>
+          <a:fillRef idx="1">
+            <a:schemeClr val="accent1"/>
+          </a:fillRef>
+          <a:effectRef idx="0">
+            <a:schemeClr val="accent1"/>
+          </a:effectRef>
+          <a:fontRef idx="minor">
+            <a:schemeClr val="lt1"/>
+          </a:fontRef>
+        </p:style>
+        <p:txBody>
+          <a:bodyPr rtlCol="0" anchor="ctr"/>
+          <a:lstStyle/>
+          <a:p>
+            <a:pPr algn="ctr"/>
+            <a:endParaRPr lang="zh-TW" altLang="en-US"/>
+          </a:p>
+        </p:txBody>
+      </p:sp>
+      <p:sp>
+        <p:nvSpPr>
+          <p:cNvPr id="13" name="平行四邊形 12">
+            <a:extLst>
+              <a:ext uri="{FF2B5EF4-FFF2-40B4-BE49-F238E27FC236}">
+                <a16:creationId xmlns:a16="http://schemas.microsoft.com/office/drawing/2014/main" id="{6923DBA4-541B-8771-2A58-5411A8D2B646}"/>
+              </a:ext>
+            </a:extLst>
+          </p:cNvPr>
+          <p:cNvSpPr/>
+          <p:nvPr/>
+        </p:nvSpPr>
+        <p:spPr>
+          <a:xfrm rot="16200000">
+            <a:off x="9281819" y="2610407"/>
+            <a:ext cx="195630" cy="318457"/>
+          </a:xfrm>
+          <a:prstGeom prst="parallelogram">
+            <a:avLst>
+              <a:gd name="adj" fmla="val 65168"/>
+            </a:avLst>
+          </a:prstGeom>
+          <a:solidFill>
+            <a:schemeClr val="tx1"/>
+          </a:solidFill>
+          <a:ln w="28575">
+            <a:solidFill>
+              <a:schemeClr val="tx1"/>
+            </a:solidFill>
+          </a:ln>
+        </p:spPr>
+        <p:style>
+          <a:lnRef idx="2">
+            <a:schemeClr val="accent1">
+              <a:shade val="50000"/>
+            </a:schemeClr>
+          </a:lnRef>
+          <a:fillRef idx="1">
+            <a:schemeClr val="accent1"/>
+          </a:fillRef>
+          <a:effectRef idx="0">
+            <a:schemeClr val="accent1"/>
+          </a:effectRef>
+          <a:fontRef idx="minor">
+            <a:schemeClr val="lt1"/>
+          </a:fontRef>
+        </p:style>
+        <p:txBody>
+          <a:bodyPr rtlCol="0" anchor="ctr"/>
+          <a:lstStyle/>
+          <a:p>
+            <a:pPr algn="ctr"/>
+            <a:endParaRPr lang="zh-TW" altLang="en-US"/>
+          </a:p>
+        </p:txBody>
+      </p:sp>
+      <p:sp>
+        <p:nvSpPr>
+          <p:cNvPr id="14" name="矩形 13">
+            <a:extLst>
+              <a:ext uri="{FF2B5EF4-FFF2-40B4-BE49-F238E27FC236}">
+                <a16:creationId xmlns:a16="http://schemas.microsoft.com/office/drawing/2014/main" id="{ABEFB915-9B06-8DBD-E2A2-37A9190E3538}"/>
+              </a:ext>
+            </a:extLst>
+          </p:cNvPr>
+          <p:cNvSpPr/>
+          <p:nvPr/>
+        </p:nvSpPr>
+        <p:spPr>
+          <a:xfrm>
+            <a:off x="9545997" y="3191299"/>
+            <a:ext cx="1091439" cy="475402"/>
+          </a:xfrm>
+          <a:prstGeom prst="rect">
+            <a:avLst/>
+          </a:prstGeom>
+          <a:solidFill>
+            <a:schemeClr val="tx1">
+              <a:lumMod val="85000"/>
+              <a:lumOff val="15000"/>
+            </a:schemeClr>
+          </a:solidFill>
+          <a:ln w="28575" cmpd="sng">
+            <a:solidFill>
+              <a:schemeClr val="accent6"/>
+            </a:solidFill>
+          </a:ln>
+        </p:spPr>
+        <p:style>
+          <a:lnRef idx="2">
+            <a:schemeClr val="accent1">
+              <a:shade val="50000"/>
+            </a:schemeClr>
+          </a:lnRef>
+          <a:fillRef idx="1">
+            <a:schemeClr val="accent1"/>
+          </a:fillRef>
+          <a:effectRef idx="0">
+            <a:schemeClr val="accent1"/>
+          </a:effectRef>
+          <a:fontRef idx="minor">
+            <a:schemeClr val="lt1"/>
+          </a:fontRef>
+        </p:style>
+        <p:txBody>
+          <a:bodyPr rtlCol="0" anchor="b"/>
+          <a:lstStyle/>
+          <a:p>
+            <a:pPr algn="dist"/>
+            <a:r>
+              <a:rPr lang="zh-TW" altLang="en-US" dirty="0">
+                <a:solidFill>
+                  <a:schemeClr val="accent6"/>
+                </a:solidFill>
+                <a:latin typeface="FOT-Matisse Pro B" panose="02020800000000000000" pitchFamily="18" charset="-128"/>
+                <a:ea typeface="FOT-Matisse Pro B" panose="02020800000000000000" pitchFamily="18" charset="-128"/>
+              </a:rPr>
+              <a:t>儲存</a:t>
+            </a:r>
+            <a:endParaRPr lang="en-US" altLang="zh-TW" dirty="0">
+              <a:solidFill>
+                <a:schemeClr val="accent6"/>
+              </a:solidFill>
+              <a:latin typeface="FOT-Matisse Pro B" panose="02020800000000000000" pitchFamily="18" charset="-128"/>
+              <a:ea typeface="FOT-Matisse Pro B" panose="02020800000000000000" pitchFamily="18" charset="-128"/>
+            </a:endParaRPr>
+          </a:p>
+          <a:p>
+            <a:pPr algn="dist"/>
+            <a:r>
+              <a:rPr lang="en-US" altLang="zh-TW" sz="800" dirty="0">
+                <a:solidFill>
+                  <a:schemeClr val="accent6"/>
+                </a:solidFill>
+                <a:latin typeface="FOT-Matisse Pro B" panose="02020800000000000000" pitchFamily="18" charset="-128"/>
+                <a:ea typeface="FOT-Matisse Pro B" panose="02020800000000000000" pitchFamily="18" charset="-128"/>
+              </a:rPr>
+              <a:t>SAVE</a:t>
+            </a:r>
+            <a:endParaRPr lang="zh-TW" altLang="en-US" sz="800" dirty="0">
+              <a:solidFill>
+                <a:schemeClr val="accent6"/>
+              </a:solidFill>
+              <a:latin typeface="FOT-Matisse Pro B" panose="02020800000000000000" pitchFamily="18" charset="-128"/>
+              <a:ea typeface="FOT-Matisse Pro B" panose="02020800000000000000" pitchFamily="18" charset="-128"/>
+            </a:endParaRPr>
+          </a:p>
+        </p:txBody>
+      </p:sp>
+      <p:sp>
+        <p:nvSpPr>
+          <p:cNvPr id="15" name="矩形 14">
+            <a:extLst>
+              <a:ext uri="{FF2B5EF4-FFF2-40B4-BE49-F238E27FC236}">
+                <a16:creationId xmlns:a16="http://schemas.microsoft.com/office/drawing/2014/main" id="{C88CD63D-BBE1-84DF-F9AE-5CA26AB44A54}"/>
+              </a:ext>
+            </a:extLst>
+          </p:cNvPr>
+          <p:cNvSpPr/>
+          <p:nvPr/>
+        </p:nvSpPr>
+        <p:spPr>
+          <a:xfrm>
+            <a:off x="9234672" y="3191299"/>
+            <a:ext cx="296356" cy="475402"/>
+          </a:xfrm>
+          <a:prstGeom prst="rect">
+            <a:avLst/>
+          </a:prstGeom>
+          <a:solidFill>
+            <a:schemeClr val="accent6"/>
+          </a:solidFill>
+          <a:ln w="28575">
+            <a:solidFill>
+              <a:schemeClr val="accent6"/>
+            </a:solidFill>
+          </a:ln>
+        </p:spPr>
+        <p:style>
+          <a:lnRef idx="2">
+            <a:schemeClr val="accent1">
+              <a:shade val="50000"/>
+            </a:schemeClr>
+          </a:lnRef>
+          <a:fillRef idx="1">
+            <a:schemeClr val="accent1"/>
+          </a:fillRef>
+          <a:effectRef idx="0">
+            <a:schemeClr val="accent1"/>
+          </a:effectRef>
+          <a:fontRef idx="minor">
+            <a:schemeClr val="lt1"/>
+          </a:fontRef>
+        </p:style>
+        <p:txBody>
+          <a:bodyPr rtlCol="0" anchor="ctr"/>
+          <a:lstStyle/>
+          <a:p>
+            <a:pPr algn="ctr"/>
+            <a:endParaRPr lang="zh-TW" altLang="en-US"/>
+          </a:p>
+        </p:txBody>
+      </p:sp>
+      <p:sp>
+        <p:nvSpPr>
+          <p:cNvPr id="16" name="平行四邊形 15">
+            <a:extLst>
+              <a:ext uri="{FF2B5EF4-FFF2-40B4-BE49-F238E27FC236}">
+                <a16:creationId xmlns:a16="http://schemas.microsoft.com/office/drawing/2014/main" id="{11E8B260-7865-1746-2DDE-395E5AABA760}"/>
+              </a:ext>
+            </a:extLst>
+          </p:cNvPr>
+          <p:cNvSpPr/>
+          <p:nvPr/>
+        </p:nvSpPr>
+        <p:spPr>
+          <a:xfrm rot="16200000">
+            <a:off x="9296087" y="3085330"/>
+            <a:ext cx="195630" cy="318457"/>
+          </a:xfrm>
+          <a:prstGeom prst="parallelogram">
+            <a:avLst>
+              <a:gd name="adj" fmla="val 65168"/>
+            </a:avLst>
+          </a:prstGeom>
+          <a:solidFill>
+            <a:schemeClr val="tx1"/>
+          </a:solidFill>
+          <a:ln w="28575">
+            <a:solidFill>
+              <a:schemeClr val="tx1"/>
+            </a:solidFill>
+          </a:ln>
+        </p:spPr>
+        <p:style>
+          <a:lnRef idx="2">
+            <a:schemeClr val="accent1">
+              <a:shade val="50000"/>
+            </a:schemeClr>
+          </a:lnRef>
+          <a:fillRef idx="1">
+            <a:schemeClr val="accent1"/>
+          </a:fillRef>
+          <a:effectRef idx="0">
+            <a:schemeClr val="accent1"/>
+          </a:effectRef>
+          <a:fontRef idx="minor">
+            <a:schemeClr val="lt1"/>
+          </a:fontRef>
+        </p:style>
+        <p:txBody>
+          <a:bodyPr rtlCol="0" anchor="ctr"/>
+          <a:lstStyle/>
+          <a:p>
+            <a:pPr algn="ctr"/>
+            <a:endParaRPr lang="zh-TW" altLang="en-US"/>
+          </a:p>
+        </p:txBody>
+      </p:sp>
+      <p:sp>
+        <p:nvSpPr>
+          <p:cNvPr id="17" name="平行四邊形 16">
+            <a:extLst>
+              <a:ext uri="{FF2B5EF4-FFF2-40B4-BE49-F238E27FC236}">
+                <a16:creationId xmlns:a16="http://schemas.microsoft.com/office/drawing/2014/main" id="{F3A6D9C8-F79C-CB48-895E-797EB1E31764}"/>
+              </a:ext>
+            </a:extLst>
+          </p:cNvPr>
+          <p:cNvSpPr/>
+          <p:nvPr/>
+        </p:nvSpPr>
+        <p:spPr>
+          <a:xfrm rot="16200000">
+            <a:off x="9288954" y="3273666"/>
+            <a:ext cx="195630" cy="318457"/>
+          </a:xfrm>
+          <a:prstGeom prst="parallelogram">
+            <a:avLst>
+              <a:gd name="adj" fmla="val 65168"/>
+            </a:avLst>
+          </a:prstGeom>
+          <a:solidFill>
+            <a:schemeClr val="tx1"/>
+          </a:solidFill>
+          <a:ln w="28575">
+            <a:solidFill>
+              <a:schemeClr val="tx1"/>
+            </a:solidFill>
+          </a:ln>
+        </p:spPr>
+        <p:style>
+          <a:lnRef idx="2">
+            <a:schemeClr val="accent1">
+              <a:shade val="50000"/>
+            </a:schemeClr>
+          </a:lnRef>
+          <a:fillRef idx="1">
+            <a:schemeClr val="accent1"/>
+          </a:fillRef>
+          <a:effectRef idx="0">
+            <a:schemeClr val="accent1"/>
+          </a:effectRef>
+          <a:fontRef idx="minor">
+            <a:schemeClr val="lt1"/>
+          </a:fontRef>
+        </p:style>
+        <p:txBody>
+          <a:bodyPr rtlCol="0" anchor="ctr"/>
+          <a:lstStyle/>
+          <a:p>
+            <a:pPr algn="ctr"/>
+            <a:endParaRPr lang="zh-TW" altLang="en-US"/>
+          </a:p>
+        </p:txBody>
+      </p:sp>
+      <p:sp>
+        <p:nvSpPr>
+          <p:cNvPr id="18" name="平行四邊形 17">
+            <a:extLst>
+              <a:ext uri="{FF2B5EF4-FFF2-40B4-BE49-F238E27FC236}">
+                <a16:creationId xmlns:a16="http://schemas.microsoft.com/office/drawing/2014/main" id="{AFFCAB36-AFF3-1E75-8BE0-6C49EB2589D7}"/>
+              </a:ext>
+            </a:extLst>
+          </p:cNvPr>
+          <p:cNvSpPr/>
+          <p:nvPr/>
+        </p:nvSpPr>
+        <p:spPr>
+          <a:xfrm rot="16200000">
+            <a:off x="9288953" y="3447987"/>
+            <a:ext cx="195630" cy="318457"/>
+          </a:xfrm>
+          <a:prstGeom prst="parallelogram">
+            <a:avLst>
+              <a:gd name="adj" fmla="val 65168"/>
+            </a:avLst>
+          </a:prstGeom>
+          <a:solidFill>
+            <a:schemeClr val="tx1"/>
+          </a:solidFill>
+          <a:ln w="28575">
+            <a:solidFill>
+              <a:schemeClr val="tx1"/>
+            </a:solidFill>
+          </a:ln>
+        </p:spPr>
+        <p:style>
+          <a:lnRef idx="2">
+            <a:schemeClr val="accent1">
+              <a:shade val="50000"/>
+            </a:schemeClr>
+          </a:lnRef>
+          <a:fillRef idx="1">
+            <a:schemeClr val="accent1"/>
+          </a:fillRef>
+          <a:effectRef idx="0">
+            <a:schemeClr val="accent1"/>
+          </a:effectRef>
+          <a:fontRef idx="minor">
+            <a:schemeClr val="lt1"/>
+          </a:fontRef>
+        </p:style>
+        <p:txBody>
+          <a:bodyPr rtlCol="0" anchor="ctr"/>
+          <a:lstStyle/>
+          <a:p>
+            <a:pPr algn="ctr"/>
+            <a:endParaRPr lang="zh-TW" altLang="en-US"/>
+          </a:p>
+        </p:txBody>
+      </p:sp>
+      <p:sp>
+        <p:nvSpPr>
+          <p:cNvPr id="20" name="直角三角形 19">
+            <a:extLst>
+              <a:ext uri="{FF2B5EF4-FFF2-40B4-BE49-F238E27FC236}">
+                <a16:creationId xmlns:a16="http://schemas.microsoft.com/office/drawing/2014/main" id="{CE8D77B3-3370-6647-35CB-A6604B026CA8}"/>
+              </a:ext>
+            </a:extLst>
+          </p:cNvPr>
+          <p:cNvSpPr/>
+          <p:nvPr/>
+        </p:nvSpPr>
+        <p:spPr>
+          <a:xfrm flipV="1">
+            <a:off x="9342682" y="4030978"/>
+            <a:ext cx="1330904" cy="1333038"/>
+          </a:xfrm>
+          <a:prstGeom prst="rtTriangle">
+            <a:avLst/>
+          </a:prstGeom>
+          <a:noFill/>
+          <a:ln w="38100" cap="rnd">
+            <a:solidFill>
+              <a:schemeClr val="accent2"/>
+            </a:solidFill>
+            <a:prstDash val="lgDashDot"/>
+          </a:ln>
+          <a:effectLst>
+            <a:glow rad="139700">
+              <a:schemeClr val="accent2">
+                <a:satMod val="175000"/>
+                <a:alpha val="40000"/>
+              </a:schemeClr>
+            </a:glow>
+          </a:effectLst>
+        </p:spPr>
+        <p:style>
+          <a:lnRef idx="2">
+            <a:schemeClr val="accent1">
+              <a:shade val="50000"/>
+            </a:schemeClr>
+          </a:lnRef>
+          <a:fillRef idx="1">
+            <a:schemeClr val="accent1"/>
+          </a:fillRef>
+          <a:effectRef idx="0">
+            <a:schemeClr val="accent1"/>
+          </a:effectRef>
+          <a:fontRef idx="minor">
+            <a:schemeClr val="lt1"/>
+          </a:fontRef>
+        </p:style>
+        <p:txBody>
+          <a:bodyPr rtlCol="0" anchor="ctr"/>
+          <a:lstStyle/>
+          <a:p>
+            <a:pPr algn="ctr"/>
+            <a:endParaRPr lang="zh-TW" altLang="en-US"/>
+          </a:p>
+        </p:txBody>
+      </p:sp>
+      <p:sp>
+        <p:nvSpPr>
+          <p:cNvPr id="21" name="直角三角形 20">
+            <a:extLst>
+              <a:ext uri="{FF2B5EF4-FFF2-40B4-BE49-F238E27FC236}">
+                <a16:creationId xmlns:a16="http://schemas.microsoft.com/office/drawing/2014/main" id="{B007508C-0DCF-B503-4E8D-D4400BFEBEE9}"/>
+              </a:ext>
+            </a:extLst>
+          </p:cNvPr>
+          <p:cNvSpPr/>
+          <p:nvPr/>
+        </p:nvSpPr>
+        <p:spPr>
+          <a:xfrm flipV="1">
+            <a:off x="9412564" y="4101968"/>
+            <a:ext cx="1065714" cy="1067423"/>
+          </a:xfrm>
+          <a:prstGeom prst="rtTriangle">
+            <a:avLst/>
+          </a:prstGeom>
+          <a:noFill/>
+          <a:ln w="38100" cap="rnd">
+            <a:solidFill>
+              <a:schemeClr val="accent2"/>
+            </a:solidFill>
+            <a:prstDash val="lgDashDotDot"/>
+          </a:ln>
+          <a:effectLst>
+            <a:glow rad="139700">
+              <a:schemeClr val="accent2">
+                <a:satMod val="175000"/>
+                <a:alpha val="40000"/>
+              </a:schemeClr>
+            </a:glow>
+          </a:effectLst>
+        </p:spPr>
+        <p:style>
+          <a:lnRef idx="2">
+            <a:schemeClr val="accent1">
+              <a:shade val="50000"/>
+            </a:schemeClr>
+          </a:lnRef>
+          <a:fillRef idx="1">
+            <a:schemeClr val="accent1"/>
+          </a:fillRef>
+          <a:effectRef idx="0">
+            <a:schemeClr val="accent1"/>
+          </a:effectRef>
+          <a:fontRef idx="minor">
+            <a:schemeClr val="lt1"/>
+          </a:fontRef>
+        </p:style>
+        <p:txBody>
+          <a:bodyPr rtlCol="0" anchor="ctr"/>
+          <a:lstStyle/>
+          <a:p>
+            <a:pPr algn="ctr"/>
+            <a:endParaRPr lang="zh-TW" altLang="en-US"/>
+          </a:p>
+        </p:txBody>
+      </p:sp>
+      <p:sp>
+        <p:nvSpPr>
+          <p:cNvPr id="22" name="直角三角形 21">
+            <a:extLst>
+              <a:ext uri="{FF2B5EF4-FFF2-40B4-BE49-F238E27FC236}">
+                <a16:creationId xmlns:a16="http://schemas.microsoft.com/office/drawing/2014/main" id="{BBA6A41F-5B1B-99CB-5984-E5B22CC497AC}"/>
+              </a:ext>
+            </a:extLst>
+          </p:cNvPr>
+          <p:cNvSpPr/>
+          <p:nvPr/>
+        </p:nvSpPr>
+        <p:spPr>
+          <a:xfrm flipV="1">
+            <a:off x="9504413" y="4202040"/>
+            <a:ext cx="689422" cy="690527"/>
+          </a:xfrm>
+          <a:prstGeom prst="rtTriangle">
+            <a:avLst/>
+          </a:prstGeom>
+          <a:noFill/>
+          <a:ln w="38100" cap="rnd">
+            <a:solidFill>
+              <a:schemeClr val="accent2"/>
+            </a:solidFill>
+            <a:prstDash val="dashDot"/>
+          </a:ln>
+          <a:effectLst>
+            <a:glow rad="228600">
+              <a:schemeClr val="accent2">
+                <a:satMod val="175000"/>
+                <a:alpha val="40000"/>
+              </a:schemeClr>
+            </a:glow>
+          </a:effectLst>
+        </p:spPr>
+        <p:style>
+          <a:lnRef idx="2">
+            <a:schemeClr val="accent1">
+              <a:shade val="50000"/>
+            </a:schemeClr>
+          </a:lnRef>
+          <a:fillRef idx="1">
+            <a:schemeClr val="accent1"/>
+          </a:fillRef>
+          <a:effectRef idx="0">
+            <a:schemeClr val="accent1"/>
+          </a:effectRef>
+          <a:fontRef idx="minor">
+            <a:schemeClr val="lt1"/>
+          </a:fontRef>
+        </p:style>
+        <p:txBody>
+          <a:bodyPr rtlCol="0" anchor="ctr"/>
+          <a:lstStyle/>
+          <a:p>
+            <a:pPr algn="ctr"/>
+            <a:endParaRPr lang="zh-TW" altLang="en-US"/>
+          </a:p>
+        </p:txBody>
+      </p:sp>
+      <p:sp>
+        <p:nvSpPr>
+          <p:cNvPr id="23" name="直角三角形 22">
+            <a:extLst>
+              <a:ext uri="{FF2B5EF4-FFF2-40B4-BE49-F238E27FC236}">
+                <a16:creationId xmlns:a16="http://schemas.microsoft.com/office/drawing/2014/main" id="{9D95324D-C4BF-B9B2-DFB6-A9650D6B2E81}"/>
+              </a:ext>
+            </a:extLst>
+          </p:cNvPr>
+          <p:cNvSpPr/>
+          <p:nvPr/>
+        </p:nvSpPr>
+        <p:spPr>
+          <a:xfrm flipV="1">
+            <a:off x="9620172" y="4309908"/>
+            <a:ext cx="325249" cy="325771"/>
+          </a:xfrm>
+          <a:prstGeom prst="rtTriangle">
+            <a:avLst/>
+          </a:prstGeom>
+          <a:noFill/>
+          <a:ln w="38100" cap="rnd">
+            <a:solidFill>
+              <a:schemeClr val="accent2"/>
+            </a:solidFill>
+            <a:prstDash val="lgDashDot"/>
+          </a:ln>
+          <a:effectLst>
+            <a:glow rad="139700">
+              <a:schemeClr val="accent2">
+                <a:satMod val="175000"/>
+                <a:alpha val="40000"/>
+              </a:schemeClr>
+            </a:glow>
+          </a:effectLst>
+        </p:spPr>
+        <p:style>
+          <a:lnRef idx="2">
+            <a:schemeClr val="accent1">
+              <a:shade val="50000"/>
+            </a:schemeClr>
+          </a:lnRef>
+          <a:fillRef idx="1">
+            <a:schemeClr val="accent1"/>
+          </a:fillRef>
+          <a:effectRef idx="0">
+            <a:schemeClr val="accent1"/>
+          </a:effectRef>
+          <a:fontRef idx="minor">
+            <a:schemeClr val="lt1"/>
+          </a:fontRef>
+        </p:style>
+        <p:txBody>
+          <a:bodyPr rtlCol="0" anchor="ctr"/>
+          <a:lstStyle/>
+          <a:p>
+            <a:pPr algn="ctr"/>
+            <a:endParaRPr lang="zh-TW" altLang="en-US"/>
+          </a:p>
+        </p:txBody>
+      </p:sp>
+    </p:spTree>
+    <p:extLst>
+      <p:ext uri="{BB962C8B-B14F-4D97-AF65-F5344CB8AC3E}">
+        <p14:creationId xmlns:p14="http://schemas.microsoft.com/office/powerpoint/2010/main" val="3529741431"/>
       </p:ext>
     </p:extLst>
   </p:cSld>
